--- a/ppt/5.pptx
+++ b/ppt/5.pptx
@@ -11,6 +11,8 @@
     <p:sldId id="263" r:id="rId5"/>
     <p:sldId id="264" r:id="rId6"/>
     <p:sldId id="265" r:id="rId7"/>
+    <p:sldId id="267" r:id="rId8"/>
+    <p:sldId id="266" r:id="rId9"/>
   </p:sldIdLst>
   <p:sldSz cx="12192000" cy="6858000"/>
   <p:notesSz cx="6858000" cy="9144000"/>
@@ -264,7 +266,7 @@
           <a:p>
             <a:fld id="{5607B9D9-C207-4155-B438-75467CF731EF}" type="datetimeFigureOut">
               <a:rPr lang="en-US" smtClean="0"/>
-              <a:t>16-Aug-22</a:t>
+              <a:t>12-Sep-22</a:t>
             </a:fld>
             <a:endParaRPr lang="en-US"/>
           </a:p>
@@ -462,7 +464,7 @@
           <a:p>
             <a:fld id="{5607B9D9-C207-4155-B438-75467CF731EF}" type="datetimeFigureOut">
               <a:rPr lang="en-US" smtClean="0"/>
-              <a:t>16-Aug-22</a:t>
+              <a:t>12-Sep-22</a:t>
             </a:fld>
             <a:endParaRPr lang="en-US"/>
           </a:p>
@@ -670,7 +672,7 @@
           <a:p>
             <a:fld id="{5607B9D9-C207-4155-B438-75467CF731EF}" type="datetimeFigureOut">
               <a:rPr lang="en-US" smtClean="0"/>
-              <a:t>16-Aug-22</a:t>
+              <a:t>12-Sep-22</a:t>
             </a:fld>
             <a:endParaRPr lang="en-US"/>
           </a:p>
@@ -868,7 +870,7 @@
           <a:p>
             <a:fld id="{5607B9D9-C207-4155-B438-75467CF731EF}" type="datetimeFigureOut">
               <a:rPr lang="en-US" smtClean="0"/>
-              <a:t>16-Aug-22</a:t>
+              <a:t>12-Sep-22</a:t>
             </a:fld>
             <a:endParaRPr lang="en-US"/>
           </a:p>
@@ -1143,7 +1145,7 @@
           <a:p>
             <a:fld id="{5607B9D9-C207-4155-B438-75467CF731EF}" type="datetimeFigureOut">
               <a:rPr lang="en-US" smtClean="0"/>
-              <a:t>16-Aug-22</a:t>
+              <a:t>12-Sep-22</a:t>
             </a:fld>
             <a:endParaRPr lang="en-US"/>
           </a:p>
@@ -1408,7 +1410,7 @@
           <a:p>
             <a:fld id="{5607B9D9-C207-4155-B438-75467CF731EF}" type="datetimeFigureOut">
               <a:rPr lang="en-US" smtClean="0"/>
-              <a:t>16-Aug-22</a:t>
+              <a:t>12-Sep-22</a:t>
             </a:fld>
             <a:endParaRPr lang="en-US"/>
           </a:p>
@@ -1820,7 +1822,7 @@
           <a:p>
             <a:fld id="{5607B9D9-C207-4155-B438-75467CF731EF}" type="datetimeFigureOut">
               <a:rPr lang="en-US" smtClean="0"/>
-              <a:t>16-Aug-22</a:t>
+              <a:t>12-Sep-22</a:t>
             </a:fld>
             <a:endParaRPr lang="en-US"/>
           </a:p>
@@ -1961,7 +1963,7 @@
           <a:p>
             <a:fld id="{5607B9D9-C207-4155-B438-75467CF731EF}" type="datetimeFigureOut">
               <a:rPr lang="en-US" smtClean="0"/>
-              <a:t>16-Aug-22</a:t>
+              <a:t>12-Sep-22</a:t>
             </a:fld>
             <a:endParaRPr lang="en-US"/>
           </a:p>
@@ -2074,7 +2076,7 @@
           <a:p>
             <a:fld id="{5607B9D9-C207-4155-B438-75467CF731EF}" type="datetimeFigureOut">
               <a:rPr lang="en-US" smtClean="0"/>
-              <a:t>16-Aug-22</a:t>
+              <a:t>12-Sep-22</a:t>
             </a:fld>
             <a:endParaRPr lang="en-US"/>
           </a:p>
@@ -2385,7 +2387,7 @@
           <a:p>
             <a:fld id="{5607B9D9-C207-4155-B438-75467CF731EF}" type="datetimeFigureOut">
               <a:rPr lang="en-US" smtClean="0"/>
-              <a:t>16-Aug-22</a:t>
+              <a:t>12-Sep-22</a:t>
             </a:fld>
             <a:endParaRPr lang="en-US"/>
           </a:p>
@@ -2673,7 +2675,7 @@
           <a:p>
             <a:fld id="{5607B9D9-C207-4155-B438-75467CF731EF}" type="datetimeFigureOut">
               <a:rPr lang="en-US" smtClean="0"/>
-              <a:t>16-Aug-22</a:t>
+              <a:t>12-Sep-22</a:t>
             </a:fld>
             <a:endParaRPr lang="en-US"/>
           </a:p>
@@ -2914,7 +2916,7 @@
           <a:p>
             <a:fld id="{5607B9D9-C207-4155-B438-75467CF731EF}" type="datetimeFigureOut">
               <a:rPr lang="en-US" smtClean="0"/>
-              <a:t>16-Aug-22</a:t>
+              <a:t>12-Sep-22</a:t>
             </a:fld>
             <a:endParaRPr lang="en-US"/>
           </a:p>
@@ -6033,6 +6035,1175 @@
 </p:sld>
 </file>
 
+<file path=ppt/slides/slide7.xml><?xml version="1.0" encoding="utf-8"?>
+<p:sld xmlns:a="http://schemas.openxmlformats.org/drawingml/2006/main" xmlns:r="http://schemas.openxmlformats.org/officeDocument/2006/relationships" xmlns:p="http://schemas.openxmlformats.org/presentationml/2006/main">
+  <p:cSld>
+    <p:spTree>
+      <p:nvGrpSpPr>
+        <p:cNvPr id="1" name=""/>
+        <p:cNvGrpSpPr/>
+        <p:nvPr/>
+      </p:nvGrpSpPr>
+      <p:grpSpPr>
+        <a:xfrm>
+          <a:off x="0" y="0"/>
+          <a:ext cx="0" cy="0"/>
+          <a:chOff x="0" y="0"/>
+          <a:chExt cx="0" cy="0"/>
+        </a:xfrm>
+      </p:grpSpPr>
+      <p:pic>
+        <p:nvPicPr>
+          <p:cNvPr id="8" name="Picture 7">
+            <a:extLst>
+              <a:ext uri="{FF2B5EF4-FFF2-40B4-BE49-F238E27FC236}">
+                <a16:creationId xmlns:a16="http://schemas.microsoft.com/office/drawing/2014/main" id="{16971BE1-7D81-57F4-BAF1-52AEE716A88D}"/>
+              </a:ext>
+            </a:extLst>
+          </p:cNvPr>
+          <p:cNvPicPr>
+            <a:picLocks noChangeAspect="1"/>
+          </p:cNvPicPr>
+          <p:nvPr/>
+        </p:nvPicPr>
+        <p:blipFill>
+          <a:blip r:embed="rId2"/>
+          <a:stretch>
+            <a:fillRect/>
+          </a:stretch>
+        </p:blipFill>
+        <p:spPr>
+          <a:xfrm>
+            <a:off x="0" y="0"/>
+            <a:ext cx="6256773" cy="4294733"/>
+          </a:xfrm>
+          <a:prstGeom prst="rect">
+            <a:avLst/>
+          </a:prstGeom>
+        </p:spPr>
+      </p:pic>
+      <p:sp>
+        <p:nvSpPr>
+          <p:cNvPr id="13" name="Rectangle 12">
+            <a:extLst>
+              <a:ext uri="{FF2B5EF4-FFF2-40B4-BE49-F238E27FC236}">
+                <a16:creationId xmlns:a16="http://schemas.microsoft.com/office/drawing/2014/main" id="{E88F32D2-DED5-2F1A-5954-E2B905AE1D87}"/>
+              </a:ext>
+            </a:extLst>
+          </p:cNvPr>
+          <p:cNvSpPr/>
+          <p:nvPr/>
+        </p:nvSpPr>
+        <p:spPr>
+          <a:xfrm>
+            <a:off x="-1940" y="1758497"/>
+            <a:ext cx="674319" cy="219751"/>
+          </a:xfrm>
+          <a:prstGeom prst="rect">
+            <a:avLst/>
+          </a:prstGeom>
+          <a:noFill/>
+          <a:ln w="25400">
+            <a:solidFill>
+              <a:srgbClr val="FF0000"/>
+            </a:solidFill>
+          </a:ln>
+        </p:spPr>
+        <p:style>
+          <a:lnRef idx="2">
+            <a:schemeClr val="accent1">
+              <a:shade val="50000"/>
+            </a:schemeClr>
+          </a:lnRef>
+          <a:fillRef idx="1">
+            <a:schemeClr val="accent1"/>
+          </a:fillRef>
+          <a:effectRef idx="0">
+            <a:schemeClr val="accent1"/>
+          </a:effectRef>
+          <a:fontRef idx="minor">
+            <a:schemeClr val="lt1"/>
+          </a:fontRef>
+        </p:style>
+        <p:txBody>
+          <a:bodyPr rtlCol="0" anchor="t" anchorCtr="0"/>
+          <a:lstStyle/>
+          <a:p>
+            <a:pPr algn="r" rtl="1"/>
+            <a:r>
+              <a:rPr lang="en-US" sz="1100" dirty="0">
+                <a:solidFill>
+                  <a:srgbClr val="FF0000"/>
+                </a:solidFill>
+              </a:rPr>
+              <a:t>1</a:t>
+            </a:r>
+          </a:p>
+        </p:txBody>
+      </p:sp>
+      <p:sp>
+        <p:nvSpPr>
+          <p:cNvPr id="14" name="Rectangle 13">
+            <a:extLst>
+              <a:ext uri="{FF2B5EF4-FFF2-40B4-BE49-F238E27FC236}">
+                <a16:creationId xmlns:a16="http://schemas.microsoft.com/office/drawing/2014/main" id="{085F2522-53C6-89D8-E09F-3AA80B0EC758}"/>
+              </a:ext>
+            </a:extLst>
+          </p:cNvPr>
+          <p:cNvSpPr/>
+          <p:nvPr/>
+        </p:nvSpPr>
+        <p:spPr>
+          <a:xfrm>
+            <a:off x="1064860" y="2660197"/>
+            <a:ext cx="674319" cy="219751"/>
+          </a:xfrm>
+          <a:prstGeom prst="rect">
+            <a:avLst/>
+          </a:prstGeom>
+          <a:noFill/>
+          <a:ln w="25400">
+            <a:solidFill>
+              <a:srgbClr val="FF0000"/>
+            </a:solidFill>
+          </a:ln>
+        </p:spPr>
+        <p:style>
+          <a:lnRef idx="2">
+            <a:schemeClr val="accent1">
+              <a:shade val="50000"/>
+            </a:schemeClr>
+          </a:lnRef>
+          <a:fillRef idx="1">
+            <a:schemeClr val="accent1"/>
+          </a:fillRef>
+          <a:effectRef idx="0">
+            <a:schemeClr val="accent1"/>
+          </a:effectRef>
+          <a:fontRef idx="minor">
+            <a:schemeClr val="lt1"/>
+          </a:fontRef>
+        </p:style>
+        <p:txBody>
+          <a:bodyPr rtlCol="0" anchor="t" anchorCtr="0"/>
+          <a:lstStyle/>
+          <a:p>
+            <a:pPr algn="r" rtl="1"/>
+            <a:r>
+              <a:rPr lang="en-US" sz="1100" dirty="0">
+                <a:solidFill>
+                  <a:srgbClr val="FF0000"/>
+                </a:solidFill>
+              </a:rPr>
+              <a:t>2</a:t>
+            </a:r>
+          </a:p>
+        </p:txBody>
+      </p:sp>
+      <p:pic>
+        <p:nvPicPr>
+          <p:cNvPr id="26" name="Picture 25">
+            <a:extLst>
+              <a:ext uri="{FF2B5EF4-FFF2-40B4-BE49-F238E27FC236}">
+                <a16:creationId xmlns:a16="http://schemas.microsoft.com/office/drawing/2014/main" id="{C6B2515A-B0A0-B6C3-8F81-4CCFDE7E9E26}"/>
+              </a:ext>
+            </a:extLst>
+          </p:cNvPr>
+          <p:cNvPicPr>
+            <a:picLocks noChangeAspect="1"/>
+          </p:cNvPicPr>
+          <p:nvPr/>
+        </p:nvPicPr>
+        <p:blipFill>
+          <a:blip r:embed="rId3"/>
+          <a:stretch>
+            <a:fillRect/>
+          </a:stretch>
+        </p:blipFill>
+        <p:spPr>
+          <a:xfrm>
+            <a:off x="2041737" y="1758497"/>
+            <a:ext cx="5863933" cy="4773603"/>
+          </a:xfrm>
+          <a:prstGeom prst="rect">
+            <a:avLst/>
+          </a:prstGeom>
+        </p:spPr>
+      </p:pic>
+      <p:sp>
+        <p:nvSpPr>
+          <p:cNvPr id="15" name="Rectangle 14">
+            <a:extLst>
+              <a:ext uri="{FF2B5EF4-FFF2-40B4-BE49-F238E27FC236}">
+                <a16:creationId xmlns:a16="http://schemas.microsoft.com/office/drawing/2014/main" id="{16E7BF1D-47E8-2347-37F4-B115DAFA72F2}"/>
+              </a:ext>
+            </a:extLst>
+          </p:cNvPr>
+          <p:cNvSpPr/>
+          <p:nvPr/>
+        </p:nvSpPr>
+        <p:spPr>
+          <a:xfrm>
+            <a:off x="3769960" y="2082347"/>
+            <a:ext cx="674319" cy="219751"/>
+          </a:xfrm>
+          <a:prstGeom prst="rect">
+            <a:avLst/>
+          </a:prstGeom>
+          <a:noFill/>
+          <a:ln w="25400">
+            <a:solidFill>
+              <a:srgbClr val="FF0000"/>
+            </a:solidFill>
+          </a:ln>
+        </p:spPr>
+        <p:style>
+          <a:lnRef idx="2">
+            <a:schemeClr val="accent1">
+              <a:shade val="50000"/>
+            </a:schemeClr>
+          </a:lnRef>
+          <a:fillRef idx="1">
+            <a:schemeClr val="accent1"/>
+          </a:fillRef>
+          <a:effectRef idx="0">
+            <a:schemeClr val="accent1"/>
+          </a:effectRef>
+          <a:fontRef idx="minor">
+            <a:schemeClr val="lt1"/>
+          </a:fontRef>
+        </p:style>
+        <p:txBody>
+          <a:bodyPr rtlCol="0" anchor="t" anchorCtr="0"/>
+          <a:lstStyle/>
+          <a:p>
+            <a:pPr algn="r" rtl="1"/>
+            <a:r>
+              <a:rPr lang="en-US" sz="1100" dirty="0">
+                <a:solidFill>
+                  <a:srgbClr val="FF0000"/>
+                </a:solidFill>
+              </a:rPr>
+              <a:t>3</a:t>
+            </a:r>
+          </a:p>
+        </p:txBody>
+      </p:sp>
+      <p:sp>
+        <p:nvSpPr>
+          <p:cNvPr id="21" name="Rectangle 20">
+            <a:extLst>
+              <a:ext uri="{FF2B5EF4-FFF2-40B4-BE49-F238E27FC236}">
+                <a16:creationId xmlns:a16="http://schemas.microsoft.com/office/drawing/2014/main" id="{4837AE0C-96AE-3708-7DDD-D3717C3DDC4A}"/>
+              </a:ext>
+            </a:extLst>
+          </p:cNvPr>
+          <p:cNvSpPr/>
+          <p:nvPr/>
+        </p:nvSpPr>
+        <p:spPr>
+          <a:xfrm>
+            <a:off x="2804039" y="2466099"/>
+            <a:ext cx="1748163" cy="388195"/>
+          </a:xfrm>
+          <a:prstGeom prst="rect">
+            <a:avLst/>
+          </a:prstGeom>
+          <a:noFill/>
+          <a:ln w="25400">
+            <a:solidFill>
+              <a:srgbClr val="FF0000"/>
+            </a:solidFill>
+          </a:ln>
+        </p:spPr>
+        <p:style>
+          <a:lnRef idx="2">
+            <a:schemeClr val="accent1">
+              <a:shade val="50000"/>
+            </a:schemeClr>
+          </a:lnRef>
+          <a:fillRef idx="1">
+            <a:schemeClr val="accent1"/>
+          </a:fillRef>
+          <a:effectRef idx="0">
+            <a:schemeClr val="accent1"/>
+          </a:effectRef>
+          <a:fontRef idx="minor">
+            <a:schemeClr val="lt1"/>
+          </a:fontRef>
+        </p:style>
+        <p:txBody>
+          <a:bodyPr rtlCol="0" anchor="t" anchorCtr="0"/>
+          <a:lstStyle/>
+          <a:p>
+            <a:pPr algn="r" rtl="1"/>
+            <a:r>
+              <a:rPr lang="en-US" sz="800" dirty="0">
+                <a:solidFill>
+                  <a:srgbClr val="FF0000"/>
+                </a:solidFill>
+              </a:rPr>
+              <a:t>Add filter with </a:t>
+            </a:r>
+            <a:r>
+              <a:rPr lang="en-US" sz="800" dirty="0" err="1">
+                <a:solidFill>
+                  <a:srgbClr val="FF0000"/>
+                </a:solidFill>
+              </a:rPr>
+              <a:t>req_id</a:t>
+            </a:r>
+            <a:r>
+              <a:rPr lang="en-US" sz="800" dirty="0">
+                <a:solidFill>
+                  <a:srgbClr val="FF0000"/>
+                </a:solidFill>
+              </a:rPr>
+              <a:t> in &lt;</a:t>
+            </a:r>
+            <a:r>
+              <a:rPr lang="en-US" sz="800" dirty="0" err="1">
+                <a:solidFill>
+                  <a:srgbClr val="FF0000"/>
+                </a:solidFill>
+              </a:rPr>
+              <a:t>supportID</a:t>
+            </a:r>
+            <a:r>
+              <a:rPr lang="en-US" sz="800" dirty="0">
+                <a:solidFill>
+                  <a:srgbClr val="FF0000"/>
+                </a:solidFill>
+              </a:rPr>
+              <a:t>&gt;</a:t>
+            </a:r>
+          </a:p>
+          <a:p>
+            <a:pPr algn="r" rtl="1"/>
+            <a:r>
+              <a:rPr lang="en-US" sz="1100" dirty="0">
+                <a:solidFill>
+                  <a:srgbClr val="FF0000"/>
+                </a:solidFill>
+              </a:rPr>
+              <a:t>4</a:t>
+            </a:r>
+          </a:p>
+        </p:txBody>
+      </p:sp>
+      <p:pic>
+        <p:nvPicPr>
+          <p:cNvPr id="28" name="Picture 27">
+            <a:extLst>
+              <a:ext uri="{FF2B5EF4-FFF2-40B4-BE49-F238E27FC236}">
+                <a16:creationId xmlns:a16="http://schemas.microsoft.com/office/drawing/2014/main" id="{545535C4-6E8B-287E-C5E5-4745430045C3}"/>
+              </a:ext>
+            </a:extLst>
+          </p:cNvPr>
+          <p:cNvPicPr>
+            <a:picLocks noChangeAspect="1"/>
+          </p:cNvPicPr>
+          <p:nvPr/>
+        </p:nvPicPr>
+        <p:blipFill>
+          <a:blip r:embed="rId4"/>
+          <a:stretch>
+            <a:fillRect/>
+          </a:stretch>
+        </p:blipFill>
+        <p:spPr>
+          <a:xfrm>
+            <a:off x="7539994" y="4344894"/>
+            <a:ext cx="4016725" cy="2364347"/>
+          </a:xfrm>
+          <a:prstGeom prst="rect">
+            <a:avLst/>
+          </a:prstGeom>
+        </p:spPr>
+      </p:pic>
+    </p:spTree>
+    <p:extLst>
+      <p:ext uri="{BB962C8B-B14F-4D97-AF65-F5344CB8AC3E}">
+        <p14:creationId xmlns:p14="http://schemas.microsoft.com/office/powerpoint/2010/main" val="2911227564"/>
+      </p:ext>
+    </p:extLst>
+  </p:cSld>
+  <p:clrMapOvr>
+    <a:masterClrMapping/>
+  </p:clrMapOvr>
+</p:sld>
+</file>
+
+<file path=ppt/slides/slide8.xml><?xml version="1.0" encoding="utf-8"?>
+<p:sld xmlns:a="http://schemas.openxmlformats.org/drawingml/2006/main" xmlns:r="http://schemas.openxmlformats.org/officeDocument/2006/relationships" xmlns:p="http://schemas.openxmlformats.org/presentationml/2006/main" show="0">
+  <p:cSld>
+    <p:spTree>
+      <p:nvGrpSpPr>
+        <p:cNvPr id="1" name=""/>
+        <p:cNvGrpSpPr/>
+        <p:nvPr/>
+      </p:nvGrpSpPr>
+      <p:grpSpPr>
+        <a:xfrm>
+          <a:off x="0" y="0"/>
+          <a:ext cx="0" cy="0"/>
+          <a:chOff x="0" y="0"/>
+          <a:chExt cx="0" cy="0"/>
+        </a:xfrm>
+      </p:grpSpPr>
+      <p:pic>
+        <p:nvPicPr>
+          <p:cNvPr id="5" name="Picture 4">
+            <a:extLst>
+              <a:ext uri="{FF2B5EF4-FFF2-40B4-BE49-F238E27FC236}">
+                <a16:creationId xmlns:a16="http://schemas.microsoft.com/office/drawing/2014/main" id="{B6D40772-98A9-D1DD-5852-0CB40E4C48F0}"/>
+              </a:ext>
+            </a:extLst>
+          </p:cNvPr>
+          <p:cNvPicPr>
+            <a:picLocks noChangeAspect="1"/>
+          </p:cNvPicPr>
+          <p:nvPr/>
+        </p:nvPicPr>
+        <p:blipFill>
+          <a:blip r:embed="rId2"/>
+          <a:stretch>
+            <a:fillRect/>
+          </a:stretch>
+        </p:blipFill>
+        <p:spPr>
+          <a:xfrm>
+            <a:off x="185194" y="151079"/>
+            <a:ext cx="7011911" cy="3790101"/>
+          </a:xfrm>
+          <a:prstGeom prst="rect">
+            <a:avLst/>
+          </a:prstGeom>
+        </p:spPr>
+      </p:pic>
+      <p:pic>
+        <p:nvPicPr>
+          <p:cNvPr id="7" name="Picture 6">
+            <a:extLst>
+              <a:ext uri="{FF2B5EF4-FFF2-40B4-BE49-F238E27FC236}">
+                <a16:creationId xmlns:a16="http://schemas.microsoft.com/office/drawing/2014/main" id="{7A5C6942-75BA-0181-3BDA-3CF39BEB8409}"/>
+              </a:ext>
+            </a:extLst>
+          </p:cNvPr>
+          <p:cNvPicPr>
+            <a:picLocks noChangeAspect="1"/>
+          </p:cNvPicPr>
+          <p:nvPr/>
+        </p:nvPicPr>
+        <p:blipFill>
+          <a:blip r:embed="rId3"/>
+          <a:stretch>
+            <a:fillRect/>
+          </a:stretch>
+        </p:blipFill>
+        <p:spPr>
+          <a:xfrm>
+            <a:off x="115747" y="3280343"/>
+            <a:ext cx="4084265" cy="3069452"/>
+          </a:xfrm>
+          <a:prstGeom prst="rect">
+            <a:avLst/>
+          </a:prstGeom>
+        </p:spPr>
+      </p:pic>
+      <p:sp>
+        <p:nvSpPr>
+          <p:cNvPr id="8" name="Rectangle 7">
+            <a:extLst>
+              <a:ext uri="{FF2B5EF4-FFF2-40B4-BE49-F238E27FC236}">
+                <a16:creationId xmlns:a16="http://schemas.microsoft.com/office/drawing/2014/main" id="{AAFF096E-5E03-6850-1FA2-82E34FF8C2DC}"/>
+              </a:ext>
+            </a:extLst>
+          </p:cNvPr>
+          <p:cNvSpPr/>
+          <p:nvPr/>
+        </p:nvSpPr>
+        <p:spPr>
+          <a:xfrm>
+            <a:off x="316280" y="2574249"/>
+            <a:ext cx="674319" cy="219751"/>
+          </a:xfrm>
+          <a:prstGeom prst="rect">
+            <a:avLst/>
+          </a:prstGeom>
+          <a:noFill/>
+          <a:ln w="25400">
+            <a:solidFill>
+              <a:srgbClr val="FF0000"/>
+            </a:solidFill>
+          </a:ln>
+        </p:spPr>
+        <p:style>
+          <a:lnRef idx="2">
+            <a:schemeClr val="accent1">
+              <a:shade val="50000"/>
+            </a:schemeClr>
+          </a:lnRef>
+          <a:fillRef idx="1">
+            <a:schemeClr val="accent1"/>
+          </a:fillRef>
+          <a:effectRef idx="0">
+            <a:schemeClr val="accent1"/>
+          </a:effectRef>
+          <a:fontRef idx="minor">
+            <a:schemeClr val="lt1"/>
+          </a:fontRef>
+        </p:style>
+        <p:txBody>
+          <a:bodyPr rtlCol="0" anchor="t" anchorCtr="0"/>
+          <a:lstStyle/>
+          <a:p>
+            <a:pPr algn="r" rtl="1"/>
+            <a:r>
+              <a:rPr lang="en-US" sz="1100" dirty="0">
+                <a:solidFill>
+                  <a:srgbClr val="FF0000"/>
+                </a:solidFill>
+              </a:rPr>
+              <a:t>1</a:t>
+            </a:r>
+          </a:p>
+        </p:txBody>
+      </p:sp>
+      <p:sp>
+        <p:nvSpPr>
+          <p:cNvPr id="10" name="Rectangle 9">
+            <a:extLst>
+              <a:ext uri="{FF2B5EF4-FFF2-40B4-BE49-F238E27FC236}">
+                <a16:creationId xmlns:a16="http://schemas.microsoft.com/office/drawing/2014/main" id="{1CF37A64-4612-8963-1978-FAC354888FA7}"/>
+              </a:ext>
+            </a:extLst>
+          </p:cNvPr>
+          <p:cNvSpPr/>
+          <p:nvPr/>
+        </p:nvSpPr>
+        <p:spPr>
+          <a:xfrm>
+            <a:off x="1301584" y="2576748"/>
+            <a:ext cx="901866" cy="219751"/>
+          </a:xfrm>
+          <a:prstGeom prst="rect">
+            <a:avLst/>
+          </a:prstGeom>
+          <a:noFill/>
+          <a:ln w="25400">
+            <a:solidFill>
+              <a:srgbClr val="FF0000"/>
+            </a:solidFill>
+          </a:ln>
+        </p:spPr>
+        <p:style>
+          <a:lnRef idx="2">
+            <a:schemeClr val="accent1">
+              <a:shade val="50000"/>
+            </a:schemeClr>
+          </a:lnRef>
+          <a:fillRef idx="1">
+            <a:schemeClr val="accent1"/>
+          </a:fillRef>
+          <a:effectRef idx="0">
+            <a:schemeClr val="accent1"/>
+          </a:effectRef>
+          <a:fontRef idx="minor">
+            <a:schemeClr val="lt1"/>
+          </a:fontRef>
+        </p:style>
+        <p:txBody>
+          <a:bodyPr rtlCol="0" anchor="t" anchorCtr="0"/>
+          <a:lstStyle/>
+          <a:p>
+            <a:pPr algn="r" rtl="1"/>
+            <a:r>
+              <a:rPr lang="en-US" sz="1100" dirty="0">
+                <a:solidFill>
+                  <a:srgbClr val="FF0000"/>
+                </a:solidFill>
+              </a:rPr>
+              <a:t>2</a:t>
+            </a:r>
+          </a:p>
+        </p:txBody>
+      </p:sp>
+      <p:sp>
+        <p:nvSpPr>
+          <p:cNvPr id="11" name="Rectangle 10">
+            <a:extLst>
+              <a:ext uri="{FF2B5EF4-FFF2-40B4-BE49-F238E27FC236}">
+                <a16:creationId xmlns:a16="http://schemas.microsoft.com/office/drawing/2014/main" id="{32A5DA53-22E4-47C1-3B2D-A46CA6AA9366}"/>
+              </a:ext>
+            </a:extLst>
+          </p:cNvPr>
+          <p:cNvSpPr/>
+          <p:nvPr/>
+        </p:nvSpPr>
+        <p:spPr>
+          <a:xfrm>
+            <a:off x="6686385" y="1408348"/>
+            <a:ext cx="438316" cy="219751"/>
+          </a:xfrm>
+          <a:prstGeom prst="rect">
+            <a:avLst/>
+          </a:prstGeom>
+          <a:noFill/>
+          <a:ln w="25400">
+            <a:solidFill>
+              <a:srgbClr val="FF0000"/>
+            </a:solidFill>
+          </a:ln>
+        </p:spPr>
+        <p:style>
+          <a:lnRef idx="2">
+            <a:schemeClr val="accent1">
+              <a:shade val="50000"/>
+            </a:schemeClr>
+          </a:lnRef>
+          <a:fillRef idx="1">
+            <a:schemeClr val="accent1"/>
+          </a:fillRef>
+          <a:effectRef idx="0">
+            <a:schemeClr val="accent1"/>
+          </a:effectRef>
+          <a:fontRef idx="minor">
+            <a:schemeClr val="lt1"/>
+          </a:fontRef>
+        </p:style>
+        <p:txBody>
+          <a:bodyPr rtlCol="0" anchor="t" anchorCtr="0"/>
+          <a:lstStyle/>
+          <a:p>
+            <a:pPr algn="r" rtl="1"/>
+            <a:r>
+              <a:rPr lang="en-US" sz="1100" dirty="0">
+                <a:solidFill>
+                  <a:srgbClr val="FF0000"/>
+                </a:solidFill>
+              </a:rPr>
+              <a:t>3</a:t>
+            </a:r>
+          </a:p>
+        </p:txBody>
+      </p:sp>
+      <p:sp>
+        <p:nvSpPr>
+          <p:cNvPr id="12" name="Rectangle 11">
+            <a:extLst>
+              <a:ext uri="{FF2B5EF4-FFF2-40B4-BE49-F238E27FC236}">
+                <a16:creationId xmlns:a16="http://schemas.microsoft.com/office/drawing/2014/main" id="{183665A0-B1F3-C3B7-C4B7-34D6561DC4A9}"/>
+              </a:ext>
+            </a:extLst>
+          </p:cNvPr>
+          <p:cNvSpPr/>
+          <p:nvPr/>
+        </p:nvSpPr>
+        <p:spPr>
+          <a:xfrm>
+            <a:off x="5955080" y="1785779"/>
+            <a:ext cx="1029920" cy="219751"/>
+          </a:xfrm>
+          <a:prstGeom prst="rect">
+            <a:avLst/>
+          </a:prstGeom>
+          <a:noFill/>
+          <a:ln w="25400">
+            <a:solidFill>
+              <a:srgbClr val="FF0000"/>
+            </a:solidFill>
+          </a:ln>
+        </p:spPr>
+        <p:style>
+          <a:lnRef idx="2">
+            <a:schemeClr val="accent1">
+              <a:shade val="50000"/>
+            </a:schemeClr>
+          </a:lnRef>
+          <a:fillRef idx="1">
+            <a:schemeClr val="accent1"/>
+          </a:fillRef>
+          <a:effectRef idx="0">
+            <a:schemeClr val="accent1"/>
+          </a:effectRef>
+          <a:fontRef idx="minor">
+            <a:schemeClr val="lt1"/>
+          </a:fontRef>
+        </p:style>
+        <p:txBody>
+          <a:bodyPr rtlCol="0" anchor="t" anchorCtr="0"/>
+          <a:lstStyle/>
+          <a:p>
+            <a:pPr algn="r" rtl="1"/>
+            <a:r>
+              <a:rPr lang="en-US" sz="1100" dirty="0">
+                <a:solidFill>
+                  <a:srgbClr val="FF0000"/>
+                </a:solidFill>
+              </a:rPr>
+              <a:t>4</a:t>
+            </a:r>
+          </a:p>
+        </p:txBody>
+      </p:sp>
+      <p:sp>
+        <p:nvSpPr>
+          <p:cNvPr id="13" name="Rectangle 12">
+            <a:extLst>
+              <a:ext uri="{FF2B5EF4-FFF2-40B4-BE49-F238E27FC236}">
+                <a16:creationId xmlns:a16="http://schemas.microsoft.com/office/drawing/2014/main" id="{1BFFF0DE-5542-39D3-27BA-342A360BDC38}"/>
+              </a:ext>
+            </a:extLst>
+          </p:cNvPr>
+          <p:cNvSpPr/>
+          <p:nvPr/>
+        </p:nvSpPr>
+        <p:spPr>
+          <a:xfrm>
+            <a:off x="3529380" y="3390901"/>
+            <a:ext cx="727782" cy="215900"/>
+          </a:xfrm>
+          <a:prstGeom prst="rect">
+            <a:avLst/>
+          </a:prstGeom>
+          <a:noFill/>
+          <a:ln w="25400">
+            <a:solidFill>
+              <a:srgbClr val="FF0000"/>
+            </a:solidFill>
+          </a:ln>
+        </p:spPr>
+        <p:style>
+          <a:lnRef idx="2">
+            <a:schemeClr val="accent1">
+              <a:shade val="50000"/>
+            </a:schemeClr>
+          </a:lnRef>
+          <a:fillRef idx="1">
+            <a:schemeClr val="accent1"/>
+          </a:fillRef>
+          <a:effectRef idx="0">
+            <a:schemeClr val="accent1"/>
+          </a:effectRef>
+          <a:fontRef idx="minor">
+            <a:schemeClr val="lt1"/>
+          </a:fontRef>
+        </p:style>
+        <p:txBody>
+          <a:bodyPr rtlCol="0" anchor="t" anchorCtr="0"/>
+          <a:lstStyle/>
+          <a:p>
+            <a:pPr algn="r" rtl="1"/>
+            <a:r>
+              <a:rPr lang="en-US" sz="1100" dirty="0">
+                <a:solidFill>
+                  <a:srgbClr val="FF0000"/>
+                </a:solidFill>
+              </a:rPr>
+              <a:t>5</a:t>
+            </a:r>
+          </a:p>
+        </p:txBody>
+      </p:sp>
+      <p:pic>
+        <p:nvPicPr>
+          <p:cNvPr id="4" name="Picture 3">
+            <a:extLst>
+              <a:ext uri="{FF2B5EF4-FFF2-40B4-BE49-F238E27FC236}">
+                <a16:creationId xmlns:a16="http://schemas.microsoft.com/office/drawing/2014/main" id="{BE9340BB-B29B-5CFC-C830-1C334B73C5FE}"/>
+              </a:ext>
+            </a:extLst>
+          </p:cNvPr>
+          <p:cNvPicPr>
+            <a:picLocks noChangeAspect="1"/>
+          </p:cNvPicPr>
+          <p:nvPr/>
+        </p:nvPicPr>
+        <p:blipFill>
+          <a:blip r:embed="rId4"/>
+          <a:stretch>
+            <a:fillRect/>
+          </a:stretch>
+        </p:blipFill>
+        <p:spPr>
+          <a:xfrm>
+            <a:off x="4240406" y="3689370"/>
+            <a:ext cx="5489187" cy="3009965"/>
+          </a:xfrm>
+          <a:prstGeom prst="rect">
+            <a:avLst/>
+          </a:prstGeom>
+        </p:spPr>
+      </p:pic>
+      <p:pic>
+        <p:nvPicPr>
+          <p:cNvPr id="9" name="Picture 8">
+            <a:extLst>
+              <a:ext uri="{FF2B5EF4-FFF2-40B4-BE49-F238E27FC236}">
+                <a16:creationId xmlns:a16="http://schemas.microsoft.com/office/drawing/2014/main" id="{545E4104-C72D-D40F-B8D5-3654F04F98B6}"/>
+              </a:ext>
+            </a:extLst>
+          </p:cNvPr>
+          <p:cNvPicPr>
+            <a:picLocks noChangeAspect="1"/>
+          </p:cNvPicPr>
+          <p:nvPr/>
+        </p:nvPicPr>
+        <p:blipFill>
+          <a:blip r:embed="rId5"/>
+          <a:stretch>
+            <a:fillRect/>
+          </a:stretch>
+        </p:blipFill>
+        <p:spPr>
+          <a:xfrm>
+            <a:off x="7339105" y="158665"/>
+            <a:ext cx="4517190" cy="1899919"/>
+          </a:xfrm>
+          <a:prstGeom prst="rect">
+            <a:avLst/>
+          </a:prstGeom>
+        </p:spPr>
+      </p:pic>
+      <p:sp>
+        <p:nvSpPr>
+          <p:cNvPr id="14" name="Rectangle 13">
+            <a:extLst>
+              <a:ext uri="{FF2B5EF4-FFF2-40B4-BE49-F238E27FC236}">
+                <a16:creationId xmlns:a16="http://schemas.microsoft.com/office/drawing/2014/main" id="{1415CFBF-4D60-4EA0-5278-C5449F3FD907}"/>
+              </a:ext>
+            </a:extLst>
+          </p:cNvPr>
+          <p:cNvSpPr/>
+          <p:nvPr/>
+        </p:nvSpPr>
+        <p:spPr>
+          <a:xfrm>
+            <a:off x="5606964" y="4476539"/>
+            <a:ext cx="2122120" cy="215900"/>
+          </a:xfrm>
+          <a:prstGeom prst="rect">
+            <a:avLst/>
+          </a:prstGeom>
+          <a:noFill/>
+          <a:ln w="25400">
+            <a:solidFill>
+              <a:srgbClr val="FF0000"/>
+            </a:solidFill>
+          </a:ln>
+        </p:spPr>
+        <p:style>
+          <a:lnRef idx="2">
+            <a:schemeClr val="accent1">
+              <a:shade val="50000"/>
+            </a:schemeClr>
+          </a:lnRef>
+          <a:fillRef idx="1">
+            <a:schemeClr val="accent1"/>
+          </a:fillRef>
+          <a:effectRef idx="0">
+            <a:schemeClr val="accent1"/>
+          </a:effectRef>
+          <a:fontRef idx="minor">
+            <a:schemeClr val="lt1"/>
+          </a:fontRef>
+        </p:style>
+        <p:txBody>
+          <a:bodyPr rtlCol="0" anchor="t" anchorCtr="0"/>
+          <a:lstStyle/>
+          <a:p>
+            <a:pPr algn="r" rtl="1"/>
+            <a:r>
+              <a:rPr lang="en-US" sz="1100" dirty="0">
+                <a:solidFill>
+                  <a:srgbClr val="FF0000"/>
+                </a:solidFill>
+              </a:rPr>
+              <a:t>6</a:t>
+            </a:r>
+          </a:p>
+        </p:txBody>
+      </p:sp>
+      <p:sp>
+        <p:nvSpPr>
+          <p:cNvPr id="15" name="Rectangle 14">
+            <a:extLst>
+              <a:ext uri="{FF2B5EF4-FFF2-40B4-BE49-F238E27FC236}">
+                <a16:creationId xmlns:a16="http://schemas.microsoft.com/office/drawing/2014/main" id="{D6B08B0C-F233-9587-44F8-E4D052977E6D}"/>
+              </a:ext>
+            </a:extLst>
+          </p:cNvPr>
+          <p:cNvSpPr/>
+          <p:nvPr/>
+        </p:nvSpPr>
+        <p:spPr>
+          <a:xfrm>
+            <a:off x="6440524" y="4833818"/>
+            <a:ext cx="658135" cy="215900"/>
+          </a:xfrm>
+          <a:prstGeom prst="rect">
+            <a:avLst/>
+          </a:prstGeom>
+          <a:noFill/>
+          <a:ln w="25400">
+            <a:solidFill>
+              <a:srgbClr val="FF0000"/>
+            </a:solidFill>
+          </a:ln>
+        </p:spPr>
+        <p:style>
+          <a:lnRef idx="2">
+            <a:schemeClr val="accent1">
+              <a:shade val="50000"/>
+            </a:schemeClr>
+          </a:lnRef>
+          <a:fillRef idx="1">
+            <a:schemeClr val="accent1"/>
+          </a:fillRef>
+          <a:effectRef idx="0">
+            <a:schemeClr val="accent1"/>
+          </a:effectRef>
+          <a:fontRef idx="minor">
+            <a:schemeClr val="lt1"/>
+          </a:fontRef>
+        </p:style>
+        <p:txBody>
+          <a:bodyPr rtlCol="0" anchor="t" anchorCtr="0"/>
+          <a:lstStyle/>
+          <a:p>
+            <a:pPr algn="r" rtl="1"/>
+            <a:r>
+              <a:rPr lang="en-US" sz="1100" dirty="0">
+                <a:solidFill>
+                  <a:srgbClr val="FF0000"/>
+                </a:solidFill>
+              </a:rPr>
+              <a:t>7</a:t>
+            </a:r>
+          </a:p>
+        </p:txBody>
+      </p:sp>
+      <p:sp>
+        <p:nvSpPr>
+          <p:cNvPr id="16" name="Rectangle 15">
+            <a:extLst>
+              <a:ext uri="{FF2B5EF4-FFF2-40B4-BE49-F238E27FC236}">
+                <a16:creationId xmlns:a16="http://schemas.microsoft.com/office/drawing/2014/main" id="{F1668D7E-DCC3-DEA6-8BDF-51705708D7A1}"/>
+              </a:ext>
+            </a:extLst>
+          </p:cNvPr>
+          <p:cNvSpPr/>
+          <p:nvPr/>
+        </p:nvSpPr>
+        <p:spPr>
+          <a:xfrm>
+            <a:off x="8732196" y="698669"/>
+            <a:ext cx="1117028" cy="215900"/>
+          </a:xfrm>
+          <a:prstGeom prst="rect">
+            <a:avLst/>
+          </a:prstGeom>
+          <a:noFill/>
+          <a:ln w="25400">
+            <a:solidFill>
+              <a:srgbClr val="FF0000"/>
+            </a:solidFill>
+          </a:ln>
+        </p:spPr>
+        <p:style>
+          <a:lnRef idx="2">
+            <a:schemeClr val="accent1">
+              <a:shade val="50000"/>
+            </a:schemeClr>
+          </a:lnRef>
+          <a:fillRef idx="1">
+            <a:schemeClr val="accent1"/>
+          </a:fillRef>
+          <a:effectRef idx="0">
+            <a:schemeClr val="accent1"/>
+          </a:effectRef>
+          <a:fontRef idx="minor">
+            <a:schemeClr val="lt1"/>
+          </a:fontRef>
+        </p:style>
+        <p:txBody>
+          <a:bodyPr rtlCol="0" anchor="t" anchorCtr="0"/>
+          <a:lstStyle/>
+          <a:p>
+            <a:pPr algn="r" rtl="1"/>
+            <a:r>
+              <a:rPr lang="en-US" sz="1100" dirty="0">
+                <a:solidFill>
+                  <a:srgbClr val="FF0000"/>
+                </a:solidFill>
+              </a:rPr>
+              <a:t>8</a:t>
+            </a:r>
+          </a:p>
+        </p:txBody>
+      </p:sp>
+      <p:sp>
+        <p:nvSpPr>
+          <p:cNvPr id="17" name="Rectangle 16">
+            <a:extLst>
+              <a:ext uri="{FF2B5EF4-FFF2-40B4-BE49-F238E27FC236}">
+                <a16:creationId xmlns:a16="http://schemas.microsoft.com/office/drawing/2014/main" id="{A4BB9AB9-B6E0-E0DA-7427-462DA8A7030D}"/>
+              </a:ext>
+            </a:extLst>
+          </p:cNvPr>
+          <p:cNvSpPr/>
+          <p:nvPr/>
+        </p:nvSpPr>
+        <p:spPr>
+          <a:xfrm>
+            <a:off x="11403106" y="1192448"/>
+            <a:ext cx="496047" cy="215900"/>
+          </a:xfrm>
+          <a:prstGeom prst="rect">
+            <a:avLst/>
+          </a:prstGeom>
+          <a:noFill/>
+          <a:ln w="25400">
+            <a:solidFill>
+              <a:srgbClr val="FF0000"/>
+            </a:solidFill>
+          </a:ln>
+        </p:spPr>
+        <p:style>
+          <a:lnRef idx="2">
+            <a:schemeClr val="accent1">
+              <a:shade val="50000"/>
+            </a:schemeClr>
+          </a:lnRef>
+          <a:fillRef idx="1">
+            <a:schemeClr val="accent1"/>
+          </a:fillRef>
+          <a:effectRef idx="0">
+            <a:schemeClr val="accent1"/>
+          </a:effectRef>
+          <a:fontRef idx="minor">
+            <a:schemeClr val="lt1"/>
+          </a:fontRef>
+        </p:style>
+        <p:txBody>
+          <a:bodyPr rtlCol="0" anchor="t" anchorCtr="0"/>
+          <a:lstStyle/>
+          <a:p>
+            <a:pPr algn="r" rtl="1"/>
+            <a:r>
+              <a:rPr lang="en-US" sz="1100" dirty="0">
+                <a:solidFill>
+                  <a:srgbClr val="FF0000"/>
+                </a:solidFill>
+              </a:rPr>
+              <a:t>9</a:t>
+            </a:r>
+          </a:p>
+        </p:txBody>
+      </p:sp>
+      <p:pic>
+        <p:nvPicPr>
+          <p:cNvPr id="19" name="Picture 18">
+            <a:extLst>
+              <a:ext uri="{FF2B5EF4-FFF2-40B4-BE49-F238E27FC236}">
+                <a16:creationId xmlns:a16="http://schemas.microsoft.com/office/drawing/2014/main" id="{9A020A5B-2FB9-7210-A502-043B9013B6B1}"/>
+              </a:ext>
+            </a:extLst>
+          </p:cNvPr>
+          <p:cNvPicPr>
+            <a:picLocks noChangeAspect="1"/>
+          </p:cNvPicPr>
+          <p:nvPr/>
+        </p:nvPicPr>
+        <p:blipFill>
+          <a:blip r:embed="rId6"/>
+          <a:stretch>
+            <a:fillRect/>
+          </a:stretch>
+        </p:blipFill>
+        <p:spPr>
+          <a:xfrm>
+            <a:off x="7344548" y="1836748"/>
+            <a:ext cx="4306581" cy="1811337"/>
+          </a:xfrm>
+          <a:prstGeom prst="rect">
+            <a:avLst/>
+          </a:prstGeom>
+        </p:spPr>
+      </p:pic>
+      <p:sp>
+        <p:nvSpPr>
+          <p:cNvPr id="20" name="Rectangle 19">
+            <a:extLst>
+              <a:ext uri="{FF2B5EF4-FFF2-40B4-BE49-F238E27FC236}">
+                <a16:creationId xmlns:a16="http://schemas.microsoft.com/office/drawing/2014/main" id="{708ED4BD-9F08-D621-F07D-7D2B20F4F7F3}"/>
+              </a:ext>
+            </a:extLst>
+          </p:cNvPr>
+          <p:cNvSpPr/>
+          <p:nvPr/>
+        </p:nvSpPr>
+        <p:spPr>
+          <a:xfrm>
+            <a:off x="11110259" y="3394778"/>
+            <a:ext cx="688313" cy="215900"/>
+          </a:xfrm>
+          <a:prstGeom prst="rect">
+            <a:avLst/>
+          </a:prstGeom>
+          <a:noFill/>
+          <a:ln w="25400">
+            <a:solidFill>
+              <a:srgbClr val="FF0000"/>
+            </a:solidFill>
+          </a:ln>
+        </p:spPr>
+        <p:style>
+          <a:lnRef idx="2">
+            <a:schemeClr val="accent1">
+              <a:shade val="50000"/>
+            </a:schemeClr>
+          </a:lnRef>
+          <a:fillRef idx="1">
+            <a:schemeClr val="accent1"/>
+          </a:fillRef>
+          <a:effectRef idx="0">
+            <a:schemeClr val="accent1"/>
+          </a:effectRef>
+          <a:fontRef idx="minor">
+            <a:schemeClr val="lt1"/>
+          </a:fontRef>
+        </p:style>
+        <p:txBody>
+          <a:bodyPr rtlCol="0" anchor="t" anchorCtr="0"/>
+          <a:lstStyle/>
+          <a:p>
+            <a:pPr algn="r" rtl="1"/>
+            <a:r>
+              <a:rPr lang="en-US" sz="1100" dirty="0">
+                <a:solidFill>
+                  <a:srgbClr val="FF0000"/>
+                </a:solidFill>
+              </a:rPr>
+              <a:t>10</a:t>
+            </a:r>
+          </a:p>
+        </p:txBody>
+      </p:sp>
+    </p:spTree>
+    <p:extLst>
+      <p:ext uri="{BB962C8B-B14F-4D97-AF65-F5344CB8AC3E}">
+        <p14:creationId xmlns:p14="http://schemas.microsoft.com/office/powerpoint/2010/main" val="1287469895"/>
+      </p:ext>
+    </p:extLst>
+  </p:cSld>
+  <p:clrMapOvr>
+    <a:masterClrMapping/>
+  </p:clrMapOvr>
+</p:sld>
+</file>
+
 <file path=ppt/theme/theme1.xml><?xml version="1.0" encoding="utf-8"?>
 <a:theme xmlns:a="http://schemas.openxmlformats.org/drawingml/2006/main" name="Office Theme">
   <a:themeElements>

--- a/ppt/5.pptx
+++ b/ppt/5.pptx
@@ -266,7 +266,7 @@
           <a:p>
             <a:fld id="{5607B9D9-C207-4155-B438-75467CF731EF}" type="datetimeFigureOut">
               <a:rPr lang="en-US" smtClean="0"/>
-              <a:t>12-Sep-22</a:t>
+              <a:t>24-Oct-22</a:t>
             </a:fld>
             <a:endParaRPr lang="en-US"/>
           </a:p>
@@ -464,7 +464,7 @@
           <a:p>
             <a:fld id="{5607B9D9-C207-4155-B438-75467CF731EF}" type="datetimeFigureOut">
               <a:rPr lang="en-US" smtClean="0"/>
-              <a:t>12-Sep-22</a:t>
+              <a:t>24-Oct-22</a:t>
             </a:fld>
             <a:endParaRPr lang="en-US"/>
           </a:p>
@@ -672,7 +672,7 @@
           <a:p>
             <a:fld id="{5607B9D9-C207-4155-B438-75467CF731EF}" type="datetimeFigureOut">
               <a:rPr lang="en-US" smtClean="0"/>
-              <a:t>12-Sep-22</a:t>
+              <a:t>24-Oct-22</a:t>
             </a:fld>
             <a:endParaRPr lang="en-US"/>
           </a:p>
@@ -870,7 +870,7 @@
           <a:p>
             <a:fld id="{5607B9D9-C207-4155-B438-75467CF731EF}" type="datetimeFigureOut">
               <a:rPr lang="en-US" smtClean="0"/>
-              <a:t>12-Sep-22</a:t>
+              <a:t>24-Oct-22</a:t>
             </a:fld>
             <a:endParaRPr lang="en-US"/>
           </a:p>
@@ -1145,7 +1145,7 @@
           <a:p>
             <a:fld id="{5607B9D9-C207-4155-B438-75467CF731EF}" type="datetimeFigureOut">
               <a:rPr lang="en-US" smtClean="0"/>
-              <a:t>12-Sep-22</a:t>
+              <a:t>24-Oct-22</a:t>
             </a:fld>
             <a:endParaRPr lang="en-US"/>
           </a:p>
@@ -1410,7 +1410,7 @@
           <a:p>
             <a:fld id="{5607B9D9-C207-4155-B438-75467CF731EF}" type="datetimeFigureOut">
               <a:rPr lang="en-US" smtClean="0"/>
-              <a:t>12-Sep-22</a:t>
+              <a:t>24-Oct-22</a:t>
             </a:fld>
             <a:endParaRPr lang="en-US"/>
           </a:p>
@@ -1822,7 +1822,7 @@
           <a:p>
             <a:fld id="{5607B9D9-C207-4155-B438-75467CF731EF}" type="datetimeFigureOut">
               <a:rPr lang="en-US" smtClean="0"/>
-              <a:t>12-Sep-22</a:t>
+              <a:t>24-Oct-22</a:t>
             </a:fld>
             <a:endParaRPr lang="en-US"/>
           </a:p>
@@ -1963,7 +1963,7 @@
           <a:p>
             <a:fld id="{5607B9D9-C207-4155-B438-75467CF731EF}" type="datetimeFigureOut">
               <a:rPr lang="en-US" smtClean="0"/>
-              <a:t>12-Sep-22</a:t>
+              <a:t>24-Oct-22</a:t>
             </a:fld>
             <a:endParaRPr lang="en-US"/>
           </a:p>
@@ -2076,7 +2076,7 @@
           <a:p>
             <a:fld id="{5607B9D9-C207-4155-B438-75467CF731EF}" type="datetimeFigureOut">
               <a:rPr lang="en-US" smtClean="0"/>
-              <a:t>12-Sep-22</a:t>
+              <a:t>24-Oct-22</a:t>
             </a:fld>
             <a:endParaRPr lang="en-US"/>
           </a:p>
@@ -2387,7 +2387,7 @@
           <a:p>
             <a:fld id="{5607B9D9-C207-4155-B438-75467CF731EF}" type="datetimeFigureOut">
               <a:rPr lang="en-US" smtClean="0"/>
-              <a:t>12-Sep-22</a:t>
+              <a:t>24-Oct-22</a:t>
             </a:fld>
             <a:endParaRPr lang="en-US"/>
           </a:p>
@@ -2675,7 +2675,7 @@
           <a:p>
             <a:fld id="{5607B9D9-C207-4155-B438-75467CF731EF}" type="datetimeFigureOut">
               <a:rPr lang="en-US" smtClean="0"/>
-              <a:t>12-Sep-22</a:t>
+              <a:t>24-Oct-22</a:t>
             </a:fld>
             <a:endParaRPr lang="en-US"/>
           </a:p>
@@ -2916,7 +2916,7 @@
           <a:p>
             <a:fld id="{5607B9D9-C207-4155-B438-75467CF731EF}" type="datetimeFigureOut">
               <a:rPr lang="en-US" smtClean="0"/>
-              <a:t>12-Sep-22</a:t>
+              <a:t>24-Oct-22</a:t>
             </a:fld>
             <a:endParaRPr lang="en-US"/>
           </a:p>
@@ -6808,10 +6808,10 @@
       </p:sp>
       <p:pic>
         <p:nvPicPr>
-          <p:cNvPr id="4" name="Picture 3">
-            <a:extLst>
-              <a:ext uri="{FF2B5EF4-FFF2-40B4-BE49-F238E27FC236}">
-                <a16:creationId xmlns:a16="http://schemas.microsoft.com/office/drawing/2014/main" id="{BE9340BB-B29B-5CFC-C830-1C334B73C5FE}"/>
+          <p:cNvPr id="22" name="Picture 21">
+            <a:extLst>
+              <a:ext uri="{FF2B5EF4-FFF2-40B4-BE49-F238E27FC236}">
+                <a16:creationId xmlns:a16="http://schemas.microsoft.com/office/drawing/2014/main" id="{8E7E7300-A8C1-80F3-F01A-F0CA42FA8E18}"/>
               </a:ext>
             </a:extLst>
           </p:cNvPr>
@@ -6828,8 +6828,8 @@
         </p:blipFill>
         <p:spPr>
           <a:xfrm>
-            <a:off x="4240406" y="3689370"/>
-            <a:ext cx="5489187" cy="3009965"/>
+            <a:off x="1949811" y="4183382"/>
+            <a:ext cx="4985943" cy="2030133"/>
           </a:xfrm>
           <a:prstGeom prst="rect">
             <a:avLst/>
@@ -6838,10 +6838,10 @@
       </p:pic>
       <p:pic>
         <p:nvPicPr>
-          <p:cNvPr id="9" name="Picture 8">
-            <a:extLst>
-              <a:ext uri="{FF2B5EF4-FFF2-40B4-BE49-F238E27FC236}">
-                <a16:creationId xmlns:a16="http://schemas.microsoft.com/office/drawing/2014/main" id="{545E4104-C72D-D40F-B8D5-3654F04F98B6}"/>
+          <p:cNvPr id="24" name="Picture 23">
+            <a:extLst>
+              <a:ext uri="{FF2B5EF4-FFF2-40B4-BE49-F238E27FC236}">
+                <a16:creationId xmlns:a16="http://schemas.microsoft.com/office/drawing/2014/main" id="{9A570028-35F1-BE11-69AA-FDE330918427}"/>
               </a:ext>
             </a:extLst>
           </p:cNvPr>
@@ -6858,256 +6858,20 @@
         </p:blipFill>
         <p:spPr>
           <a:xfrm>
-            <a:off x="7339105" y="158665"/>
-            <a:ext cx="4517190" cy="1899919"/>
+            <a:off x="7259909" y="13240"/>
+            <a:ext cx="4918609" cy="3009965"/>
           </a:xfrm>
           <a:prstGeom prst="rect">
             <a:avLst/>
           </a:prstGeom>
         </p:spPr>
       </p:pic>
-      <p:sp>
-        <p:nvSpPr>
-          <p:cNvPr id="14" name="Rectangle 13">
-            <a:extLst>
-              <a:ext uri="{FF2B5EF4-FFF2-40B4-BE49-F238E27FC236}">
-                <a16:creationId xmlns:a16="http://schemas.microsoft.com/office/drawing/2014/main" id="{1415CFBF-4D60-4EA0-5278-C5449F3FD907}"/>
-              </a:ext>
-            </a:extLst>
-          </p:cNvPr>
-          <p:cNvSpPr/>
-          <p:nvPr/>
-        </p:nvSpPr>
-        <p:spPr>
-          <a:xfrm>
-            <a:off x="5606964" y="4476539"/>
-            <a:ext cx="2122120" cy="215900"/>
-          </a:xfrm>
-          <a:prstGeom prst="rect">
-            <a:avLst/>
-          </a:prstGeom>
-          <a:noFill/>
-          <a:ln w="25400">
-            <a:solidFill>
-              <a:srgbClr val="FF0000"/>
-            </a:solidFill>
-          </a:ln>
-        </p:spPr>
-        <p:style>
-          <a:lnRef idx="2">
-            <a:schemeClr val="accent1">
-              <a:shade val="50000"/>
-            </a:schemeClr>
-          </a:lnRef>
-          <a:fillRef idx="1">
-            <a:schemeClr val="accent1"/>
-          </a:fillRef>
-          <a:effectRef idx="0">
-            <a:schemeClr val="accent1"/>
-          </a:effectRef>
-          <a:fontRef idx="minor">
-            <a:schemeClr val="lt1"/>
-          </a:fontRef>
-        </p:style>
-        <p:txBody>
-          <a:bodyPr rtlCol="0" anchor="t" anchorCtr="0"/>
-          <a:lstStyle/>
-          <a:p>
-            <a:pPr algn="r" rtl="1"/>
-            <a:r>
-              <a:rPr lang="en-US" sz="1100" dirty="0">
-                <a:solidFill>
-                  <a:srgbClr val="FF0000"/>
-                </a:solidFill>
-              </a:rPr>
-              <a:t>6</a:t>
-            </a:r>
-          </a:p>
-        </p:txBody>
-      </p:sp>
-      <p:sp>
-        <p:nvSpPr>
-          <p:cNvPr id="15" name="Rectangle 14">
-            <a:extLst>
-              <a:ext uri="{FF2B5EF4-FFF2-40B4-BE49-F238E27FC236}">
-                <a16:creationId xmlns:a16="http://schemas.microsoft.com/office/drawing/2014/main" id="{D6B08B0C-F233-9587-44F8-E4D052977E6D}"/>
-              </a:ext>
-            </a:extLst>
-          </p:cNvPr>
-          <p:cNvSpPr/>
-          <p:nvPr/>
-        </p:nvSpPr>
-        <p:spPr>
-          <a:xfrm>
-            <a:off x="6440524" y="4833818"/>
-            <a:ext cx="658135" cy="215900"/>
-          </a:xfrm>
-          <a:prstGeom prst="rect">
-            <a:avLst/>
-          </a:prstGeom>
-          <a:noFill/>
-          <a:ln w="25400">
-            <a:solidFill>
-              <a:srgbClr val="FF0000"/>
-            </a:solidFill>
-          </a:ln>
-        </p:spPr>
-        <p:style>
-          <a:lnRef idx="2">
-            <a:schemeClr val="accent1">
-              <a:shade val="50000"/>
-            </a:schemeClr>
-          </a:lnRef>
-          <a:fillRef idx="1">
-            <a:schemeClr val="accent1"/>
-          </a:fillRef>
-          <a:effectRef idx="0">
-            <a:schemeClr val="accent1"/>
-          </a:effectRef>
-          <a:fontRef idx="minor">
-            <a:schemeClr val="lt1"/>
-          </a:fontRef>
-        </p:style>
-        <p:txBody>
-          <a:bodyPr rtlCol="0" anchor="t" anchorCtr="0"/>
-          <a:lstStyle/>
-          <a:p>
-            <a:pPr algn="r" rtl="1"/>
-            <a:r>
-              <a:rPr lang="en-US" sz="1100" dirty="0">
-                <a:solidFill>
-                  <a:srgbClr val="FF0000"/>
-                </a:solidFill>
-              </a:rPr>
-              <a:t>7</a:t>
-            </a:r>
-          </a:p>
-        </p:txBody>
-      </p:sp>
-      <p:sp>
-        <p:nvSpPr>
-          <p:cNvPr id="16" name="Rectangle 15">
-            <a:extLst>
-              <a:ext uri="{FF2B5EF4-FFF2-40B4-BE49-F238E27FC236}">
-                <a16:creationId xmlns:a16="http://schemas.microsoft.com/office/drawing/2014/main" id="{F1668D7E-DCC3-DEA6-8BDF-51705708D7A1}"/>
-              </a:ext>
-            </a:extLst>
-          </p:cNvPr>
-          <p:cNvSpPr/>
-          <p:nvPr/>
-        </p:nvSpPr>
-        <p:spPr>
-          <a:xfrm>
-            <a:off x="8732196" y="698669"/>
-            <a:ext cx="1117028" cy="215900"/>
-          </a:xfrm>
-          <a:prstGeom prst="rect">
-            <a:avLst/>
-          </a:prstGeom>
-          <a:noFill/>
-          <a:ln w="25400">
-            <a:solidFill>
-              <a:srgbClr val="FF0000"/>
-            </a:solidFill>
-          </a:ln>
-        </p:spPr>
-        <p:style>
-          <a:lnRef idx="2">
-            <a:schemeClr val="accent1">
-              <a:shade val="50000"/>
-            </a:schemeClr>
-          </a:lnRef>
-          <a:fillRef idx="1">
-            <a:schemeClr val="accent1"/>
-          </a:fillRef>
-          <a:effectRef idx="0">
-            <a:schemeClr val="accent1"/>
-          </a:effectRef>
-          <a:fontRef idx="minor">
-            <a:schemeClr val="lt1"/>
-          </a:fontRef>
-        </p:style>
-        <p:txBody>
-          <a:bodyPr rtlCol="0" anchor="t" anchorCtr="0"/>
-          <a:lstStyle/>
-          <a:p>
-            <a:pPr algn="r" rtl="1"/>
-            <a:r>
-              <a:rPr lang="en-US" sz="1100" dirty="0">
-                <a:solidFill>
-                  <a:srgbClr val="FF0000"/>
-                </a:solidFill>
-              </a:rPr>
-              <a:t>8</a:t>
-            </a:r>
-          </a:p>
-        </p:txBody>
-      </p:sp>
-      <p:sp>
-        <p:nvSpPr>
-          <p:cNvPr id="17" name="Rectangle 16">
-            <a:extLst>
-              <a:ext uri="{FF2B5EF4-FFF2-40B4-BE49-F238E27FC236}">
-                <a16:creationId xmlns:a16="http://schemas.microsoft.com/office/drawing/2014/main" id="{A4BB9AB9-B6E0-E0DA-7427-462DA8A7030D}"/>
-              </a:ext>
-            </a:extLst>
-          </p:cNvPr>
-          <p:cNvSpPr/>
-          <p:nvPr/>
-        </p:nvSpPr>
-        <p:spPr>
-          <a:xfrm>
-            <a:off x="11403106" y="1192448"/>
-            <a:ext cx="496047" cy="215900"/>
-          </a:xfrm>
-          <a:prstGeom prst="rect">
-            <a:avLst/>
-          </a:prstGeom>
-          <a:noFill/>
-          <a:ln w="25400">
-            <a:solidFill>
-              <a:srgbClr val="FF0000"/>
-            </a:solidFill>
-          </a:ln>
-        </p:spPr>
-        <p:style>
-          <a:lnRef idx="2">
-            <a:schemeClr val="accent1">
-              <a:shade val="50000"/>
-            </a:schemeClr>
-          </a:lnRef>
-          <a:fillRef idx="1">
-            <a:schemeClr val="accent1"/>
-          </a:fillRef>
-          <a:effectRef idx="0">
-            <a:schemeClr val="accent1"/>
-          </a:effectRef>
-          <a:fontRef idx="minor">
-            <a:schemeClr val="lt1"/>
-          </a:fontRef>
-        </p:style>
-        <p:txBody>
-          <a:bodyPr rtlCol="0" anchor="t" anchorCtr="0"/>
-          <a:lstStyle/>
-          <a:p>
-            <a:pPr algn="r" rtl="1"/>
-            <a:r>
-              <a:rPr lang="en-US" sz="1100" dirty="0">
-                <a:solidFill>
-                  <a:srgbClr val="FF0000"/>
-                </a:solidFill>
-              </a:rPr>
-              <a:t>9</a:t>
-            </a:r>
-          </a:p>
-        </p:txBody>
-      </p:sp>
       <p:pic>
         <p:nvPicPr>
-          <p:cNvPr id="19" name="Picture 18">
-            <a:extLst>
-              <a:ext uri="{FF2B5EF4-FFF2-40B4-BE49-F238E27FC236}">
-                <a16:creationId xmlns:a16="http://schemas.microsoft.com/office/drawing/2014/main" id="{9A020A5B-2FB9-7210-A502-043B9013B6B1}"/>
+          <p:cNvPr id="26" name="Picture 25">
+            <a:extLst>
+              <a:ext uri="{FF2B5EF4-FFF2-40B4-BE49-F238E27FC236}">
+                <a16:creationId xmlns:a16="http://schemas.microsoft.com/office/drawing/2014/main" id="{B62C4279-00B8-C1E7-99CD-C23911828FCE}"/>
               </a:ext>
             </a:extLst>
           </p:cNvPr>
@@ -7124,8 +6888,8 @@
         </p:blipFill>
         <p:spPr>
           <a:xfrm>
-            <a:off x="7344548" y="1836748"/>
-            <a:ext cx="4306581" cy="1811337"/>
+            <a:off x="6998558" y="2523021"/>
+            <a:ext cx="5067299" cy="2406780"/>
           </a:xfrm>
           <a:prstGeom prst="rect">
             <a:avLst/>
@@ -7134,10 +6898,10 @@
       </p:pic>
       <p:sp>
         <p:nvSpPr>
-          <p:cNvPr id="20" name="Rectangle 19">
-            <a:extLst>
-              <a:ext uri="{FF2B5EF4-FFF2-40B4-BE49-F238E27FC236}">
-                <a16:creationId xmlns:a16="http://schemas.microsoft.com/office/drawing/2014/main" id="{708ED4BD-9F08-D621-F07D-7D2B20F4F7F3}"/>
+          <p:cNvPr id="14" name="Rectangle 13">
+            <a:extLst>
+              <a:ext uri="{FF2B5EF4-FFF2-40B4-BE49-F238E27FC236}">
+                <a16:creationId xmlns:a16="http://schemas.microsoft.com/office/drawing/2014/main" id="{1415CFBF-4D60-4EA0-5278-C5449F3FD907}"/>
               </a:ext>
             </a:extLst>
           </p:cNvPr>
@@ -7146,8 +6910,8 @@
         </p:nvSpPr>
         <p:spPr>
           <a:xfrm>
-            <a:off x="11110259" y="3394778"/>
-            <a:ext cx="688313" cy="215900"/>
+            <a:off x="3126504" y="5090498"/>
+            <a:ext cx="2122120" cy="215900"/>
           </a:xfrm>
           <a:prstGeom prst="rect">
             <a:avLst/>
@@ -7186,7 +6950,391 @@
                   <a:srgbClr val="FF0000"/>
                 </a:solidFill>
               </a:rPr>
+              <a:t>6</a:t>
+            </a:r>
+          </a:p>
+        </p:txBody>
+      </p:sp>
+      <p:sp>
+        <p:nvSpPr>
+          <p:cNvPr id="15" name="Rectangle 14">
+            <a:extLst>
+              <a:ext uri="{FF2B5EF4-FFF2-40B4-BE49-F238E27FC236}">
+                <a16:creationId xmlns:a16="http://schemas.microsoft.com/office/drawing/2014/main" id="{D6B08B0C-F233-9587-44F8-E4D052977E6D}"/>
+              </a:ext>
+            </a:extLst>
+          </p:cNvPr>
+          <p:cNvSpPr/>
+          <p:nvPr/>
+        </p:nvSpPr>
+        <p:spPr>
+          <a:xfrm>
+            <a:off x="3295207" y="5381018"/>
+            <a:ext cx="1873226" cy="215900"/>
+          </a:xfrm>
+          <a:prstGeom prst="rect">
+            <a:avLst/>
+          </a:prstGeom>
+          <a:noFill/>
+          <a:ln w="25400">
+            <a:solidFill>
+              <a:srgbClr val="FF0000"/>
+            </a:solidFill>
+          </a:ln>
+        </p:spPr>
+        <p:style>
+          <a:lnRef idx="2">
+            <a:schemeClr val="accent1">
+              <a:shade val="50000"/>
+            </a:schemeClr>
+          </a:lnRef>
+          <a:fillRef idx="1">
+            <a:schemeClr val="accent1"/>
+          </a:fillRef>
+          <a:effectRef idx="0">
+            <a:schemeClr val="accent1"/>
+          </a:effectRef>
+          <a:fontRef idx="minor">
+            <a:schemeClr val="lt1"/>
+          </a:fontRef>
+        </p:style>
+        <p:txBody>
+          <a:bodyPr rtlCol="0" anchor="t" anchorCtr="0"/>
+          <a:lstStyle/>
+          <a:p>
+            <a:pPr algn="r" rtl="1"/>
+            <a:r>
+              <a:rPr lang="en-US" sz="1100" dirty="0">
+                <a:solidFill>
+                  <a:srgbClr val="FF0000"/>
+                </a:solidFill>
+              </a:rPr>
+              <a:t>7</a:t>
+            </a:r>
+          </a:p>
+        </p:txBody>
+      </p:sp>
+      <p:sp>
+        <p:nvSpPr>
+          <p:cNvPr id="16" name="Rectangle 15">
+            <a:extLst>
+              <a:ext uri="{FF2B5EF4-FFF2-40B4-BE49-F238E27FC236}">
+                <a16:creationId xmlns:a16="http://schemas.microsoft.com/office/drawing/2014/main" id="{F1668D7E-DCC3-DEA6-8BDF-51705708D7A1}"/>
+              </a:ext>
+            </a:extLst>
+          </p:cNvPr>
+          <p:cNvSpPr/>
+          <p:nvPr/>
+        </p:nvSpPr>
+        <p:spPr>
+          <a:xfrm>
+            <a:off x="8672779" y="1628099"/>
+            <a:ext cx="2491267" cy="215900"/>
+          </a:xfrm>
+          <a:prstGeom prst="rect">
+            <a:avLst/>
+          </a:prstGeom>
+          <a:noFill/>
+          <a:ln w="25400">
+            <a:solidFill>
+              <a:srgbClr val="FF0000"/>
+            </a:solidFill>
+          </a:ln>
+        </p:spPr>
+        <p:style>
+          <a:lnRef idx="2">
+            <a:schemeClr val="accent1">
+              <a:shade val="50000"/>
+            </a:schemeClr>
+          </a:lnRef>
+          <a:fillRef idx="1">
+            <a:schemeClr val="accent1"/>
+          </a:fillRef>
+          <a:effectRef idx="0">
+            <a:schemeClr val="accent1"/>
+          </a:effectRef>
+          <a:fontRef idx="minor">
+            <a:schemeClr val="lt1"/>
+          </a:fontRef>
+        </p:style>
+        <p:txBody>
+          <a:bodyPr rtlCol="0" anchor="t" anchorCtr="0"/>
+          <a:lstStyle/>
+          <a:p>
+            <a:pPr algn="r" rtl="1"/>
+            <a:r>
+              <a:rPr lang="en-US" sz="1100" dirty="0">
+                <a:solidFill>
+                  <a:srgbClr val="FF0000"/>
+                </a:solidFill>
+              </a:rPr>
+              <a:t>8</a:t>
+            </a:r>
+          </a:p>
+        </p:txBody>
+      </p:sp>
+      <p:sp>
+        <p:nvSpPr>
+          <p:cNvPr id="17" name="Rectangle 16">
+            <a:extLst>
+              <a:ext uri="{FF2B5EF4-FFF2-40B4-BE49-F238E27FC236}">
+                <a16:creationId xmlns:a16="http://schemas.microsoft.com/office/drawing/2014/main" id="{A4BB9AB9-B6E0-E0DA-7427-462DA8A7030D}"/>
+              </a:ext>
+            </a:extLst>
+          </p:cNvPr>
+          <p:cNvSpPr/>
+          <p:nvPr/>
+        </p:nvSpPr>
+        <p:spPr>
+          <a:xfrm>
+            <a:off x="9580282" y="2109752"/>
+            <a:ext cx="615577" cy="215900"/>
+          </a:xfrm>
+          <a:prstGeom prst="rect">
+            <a:avLst/>
+          </a:prstGeom>
+          <a:noFill/>
+          <a:ln w="25400">
+            <a:solidFill>
+              <a:srgbClr val="FF0000"/>
+            </a:solidFill>
+          </a:ln>
+        </p:spPr>
+        <p:style>
+          <a:lnRef idx="2">
+            <a:schemeClr val="accent1">
+              <a:shade val="50000"/>
+            </a:schemeClr>
+          </a:lnRef>
+          <a:fillRef idx="1">
+            <a:schemeClr val="accent1"/>
+          </a:fillRef>
+          <a:effectRef idx="0">
+            <a:schemeClr val="accent1"/>
+          </a:effectRef>
+          <a:fontRef idx="minor">
+            <a:schemeClr val="lt1"/>
+          </a:fontRef>
+        </p:style>
+        <p:txBody>
+          <a:bodyPr rtlCol="0" anchor="t" anchorCtr="0"/>
+          <a:lstStyle/>
+          <a:p>
+            <a:pPr algn="r" rtl="1"/>
+            <a:r>
+              <a:rPr lang="en-US" sz="1100" dirty="0">
+                <a:solidFill>
+                  <a:srgbClr val="FF0000"/>
+                </a:solidFill>
+              </a:rPr>
+              <a:t>9</a:t>
+            </a:r>
+          </a:p>
+        </p:txBody>
+      </p:sp>
+      <p:sp>
+        <p:nvSpPr>
+          <p:cNvPr id="20" name="Rectangle 19">
+            <a:extLst>
+              <a:ext uri="{FF2B5EF4-FFF2-40B4-BE49-F238E27FC236}">
+                <a16:creationId xmlns:a16="http://schemas.microsoft.com/office/drawing/2014/main" id="{708ED4BD-9F08-D621-F07D-7D2B20F4F7F3}"/>
+              </a:ext>
+            </a:extLst>
+          </p:cNvPr>
+          <p:cNvSpPr/>
+          <p:nvPr/>
+        </p:nvSpPr>
+        <p:spPr>
+          <a:xfrm>
+            <a:off x="8650963" y="3220574"/>
+            <a:ext cx="1234119" cy="215900"/>
+          </a:xfrm>
+          <a:prstGeom prst="rect">
+            <a:avLst/>
+          </a:prstGeom>
+          <a:noFill/>
+          <a:ln w="25400">
+            <a:solidFill>
+              <a:srgbClr val="FF0000"/>
+            </a:solidFill>
+          </a:ln>
+        </p:spPr>
+        <p:style>
+          <a:lnRef idx="2">
+            <a:schemeClr val="accent1">
+              <a:shade val="50000"/>
+            </a:schemeClr>
+          </a:lnRef>
+          <a:fillRef idx="1">
+            <a:schemeClr val="accent1"/>
+          </a:fillRef>
+          <a:effectRef idx="0">
+            <a:schemeClr val="accent1"/>
+          </a:effectRef>
+          <a:fontRef idx="minor">
+            <a:schemeClr val="lt1"/>
+          </a:fontRef>
+        </p:style>
+        <p:txBody>
+          <a:bodyPr rtlCol="0" anchor="t" anchorCtr="0"/>
+          <a:lstStyle/>
+          <a:p>
+            <a:pPr algn="r" rtl="1"/>
+            <a:r>
+              <a:rPr lang="en-US" sz="1100" dirty="0">
+                <a:solidFill>
+                  <a:srgbClr val="FF0000"/>
+                </a:solidFill>
+              </a:rPr>
               <a:t>10</a:t>
+            </a:r>
+          </a:p>
+        </p:txBody>
+      </p:sp>
+      <p:sp>
+        <p:nvSpPr>
+          <p:cNvPr id="27" name="Rectangle 26">
+            <a:extLst>
+              <a:ext uri="{FF2B5EF4-FFF2-40B4-BE49-F238E27FC236}">
+                <a16:creationId xmlns:a16="http://schemas.microsoft.com/office/drawing/2014/main" id="{14A7FDBD-018A-0390-E15C-D63AFEA968AE}"/>
+              </a:ext>
+            </a:extLst>
+          </p:cNvPr>
+          <p:cNvSpPr/>
+          <p:nvPr/>
+        </p:nvSpPr>
+        <p:spPr>
+          <a:xfrm>
+            <a:off x="11600329" y="3702227"/>
+            <a:ext cx="591671" cy="215900"/>
+          </a:xfrm>
+          <a:prstGeom prst="rect">
+            <a:avLst/>
+          </a:prstGeom>
+          <a:noFill/>
+          <a:ln w="25400">
+            <a:solidFill>
+              <a:srgbClr val="FF0000"/>
+            </a:solidFill>
+          </a:ln>
+        </p:spPr>
+        <p:style>
+          <a:lnRef idx="2">
+            <a:schemeClr val="accent1">
+              <a:shade val="50000"/>
+            </a:schemeClr>
+          </a:lnRef>
+          <a:fillRef idx="1">
+            <a:schemeClr val="accent1"/>
+          </a:fillRef>
+          <a:effectRef idx="0">
+            <a:schemeClr val="accent1"/>
+          </a:effectRef>
+          <a:fontRef idx="minor">
+            <a:schemeClr val="lt1"/>
+          </a:fontRef>
+        </p:style>
+        <p:txBody>
+          <a:bodyPr rtlCol="0" anchor="t" anchorCtr="0"/>
+          <a:lstStyle/>
+          <a:p>
+            <a:pPr algn="r" rtl="1"/>
+            <a:r>
+              <a:rPr lang="en-US" sz="1100" dirty="0">
+                <a:solidFill>
+                  <a:srgbClr val="FF0000"/>
+                </a:solidFill>
+              </a:rPr>
+              <a:t>11</a:t>
+            </a:r>
+          </a:p>
+        </p:txBody>
+      </p:sp>
+      <p:pic>
+        <p:nvPicPr>
+          <p:cNvPr id="29" name="Picture 28">
+            <a:extLst>
+              <a:ext uri="{FF2B5EF4-FFF2-40B4-BE49-F238E27FC236}">
+                <a16:creationId xmlns:a16="http://schemas.microsoft.com/office/drawing/2014/main" id="{C74E64CE-24CF-F74B-9857-7A4E573ACAEC}"/>
+              </a:ext>
+            </a:extLst>
+          </p:cNvPr>
+          <p:cNvPicPr>
+            <a:picLocks noChangeAspect="1"/>
+          </p:cNvPicPr>
+          <p:nvPr/>
+        </p:nvPicPr>
+        <p:blipFill>
+          <a:blip r:embed="rId7"/>
+          <a:stretch>
+            <a:fillRect/>
+          </a:stretch>
+        </p:blipFill>
+        <p:spPr>
+          <a:xfrm>
+            <a:off x="7389596" y="4597149"/>
+            <a:ext cx="4210733" cy="2126799"/>
+          </a:xfrm>
+          <a:prstGeom prst="rect">
+            <a:avLst/>
+          </a:prstGeom>
+        </p:spPr>
+      </p:pic>
+      <p:sp>
+        <p:nvSpPr>
+          <p:cNvPr id="30" name="Rectangle 29">
+            <a:extLst>
+              <a:ext uri="{FF2B5EF4-FFF2-40B4-BE49-F238E27FC236}">
+                <a16:creationId xmlns:a16="http://schemas.microsoft.com/office/drawing/2014/main" id="{AAE48C35-2B90-0CE5-7E16-460EF38C9CCC}"/>
+              </a:ext>
+            </a:extLst>
+          </p:cNvPr>
+          <p:cNvSpPr/>
+          <p:nvPr/>
+        </p:nvSpPr>
+        <p:spPr>
+          <a:xfrm>
+            <a:off x="11128187" y="6503745"/>
+            <a:ext cx="663389" cy="215900"/>
+          </a:xfrm>
+          <a:prstGeom prst="rect">
+            <a:avLst/>
+          </a:prstGeom>
+          <a:noFill/>
+          <a:ln w="25400">
+            <a:solidFill>
+              <a:srgbClr val="FF0000"/>
+            </a:solidFill>
+          </a:ln>
+        </p:spPr>
+        <p:style>
+          <a:lnRef idx="2">
+            <a:schemeClr val="accent1">
+              <a:shade val="50000"/>
+            </a:schemeClr>
+          </a:lnRef>
+          <a:fillRef idx="1">
+            <a:schemeClr val="accent1"/>
+          </a:fillRef>
+          <a:effectRef idx="0">
+            <a:schemeClr val="accent1"/>
+          </a:effectRef>
+          <a:fontRef idx="minor">
+            <a:schemeClr val="lt1"/>
+          </a:fontRef>
+        </p:style>
+        <p:txBody>
+          <a:bodyPr rtlCol="0" anchor="t" anchorCtr="0"/>
+          <a:lstStyle/>
+          <a:p>
+            <a:pPr algn="r" rtl="1"/>
+            <a:r>
+              <a:rPr lang="en-US" sz="1100" dirty="0">
+                <a:solidFill>
+                  <a:srgbClr val="FF0000"/>
+                </a:solidFill>
+              </a:rPr>
+              <a:t>12</a:t>
             </a:r>
           </a:p>
         </p:txBody>

--- a/ppt/5.pptx
+++ b/ppt/5.pptx
@@ -13,6 +13,8 @@
     <p:sldId id="265" r:id="rId7"/>
     <p:sldId id="267" r:id="rId8"/>
     <p:sldId id="266" r:id="rId9"/>
+    <p:sldId id="268" r:id="rId10"/>
+    <p:sldId id="269" r:id="rId11"/>
   </p:sldIdLst>
   <p:sldSz cx="12192000" cy="6858000"/>
   <p:notesSz cx="6858000" cy="9144000"/>
@@ -266,7 +268,7 @@
           <a:p>
             <a:fld id="{5607B9D9-C207-4155-B438-75467CF731EF}" type="datetimeFigureOut">
               <a:rPr lang="en-US" smtClean="0"/>
-              <a:t>24-Oct-22</a:t>
+              <a:t>14-Nov-22</a:t>
             </a:fld>
             <a:endParaRPr lang="en-US"/>
           </a:p>
@@ -464,7 +466,7 @@
           <a:p>
             <a:fld id="{5607B9D9-C207-4155-B438-75467CF731EF}" type="datetimeFigureOut">
               <a:rPr lang="en-US" smtClean="0"/>
-              <a:t>24-Oct-22</a:t>
+              <a:t>14-Nov-22</a:t>
             </a:fld>
             <a:endParaRPr lang="en-US"/>
           </a:p>
@@ -672,7 +674,7 @@
           <a:p>
             <a:fld id="{5607B9D9-C207-4155-B438-75467CF731EF}" type="datetimeFigureOut">
               <a:rPr lang="en-US" smtClean="0"/>
-              <a:t>24-Oct-22</a:t>
+              <a:t>14-Nov-22</a:t>
             </a:fld>
             <a:endParaRPr lang="en-US"/>
           </a:p>
@@ -870,7 +872,7 @@
           <a:p>
             <a:fld id="{5607B9D9-C207-4155-B438-75467CF731EF}" type="datetimeFigureOut">
               <a:rPr lang="en-US" smtClean="0"/>
-              <a:t>24-Oct-22</a:t>
+              <a:t>14-Nov-22</a:t>
             </a:fld>
             <a:endParaRPr lang="en-US"/>
           </a:p>
@@ -1145,7 +1147,7 @@
           <a:p>
             <a:fld id="{5607B9D9-C207-4155-B438-75467CF731EF}" type="datetimeFigureOut">
               <a:rPr lang="en-US" smtClean="0"/>
-              <a:t>24-Oct-22</a:t>
+              <a:t>14-Nov-22</a:t>
             </a:fld>
             <a:endParaRPr lang="en-US"/>
           </a:p>
@@ -1410,7 +1412,7 @@
           <a:p>
             <a:fld id="{5607B9D9-C207-4155-B438-75467CF731EF}" type="datetimeFigureOut">
               <a:rPr lang="en-US" smtClean="0"/>
-              <a:t>24-Oct-22</a:t>
+              <a:t>14-Nov-22</a:t>
             </a:fld>
             <a:endParaRPr lang="en-US"/>
           </a:p>
@@ -1822,7 +1824,7 @@
           <a:p>
             <a:fld id="{5607B9D9-C207-4155-B438-75467CF731EF}" type="datetimeFigureOut">
               <a:rPr lang="en-US" smtClean="0"/>
-              <a:t>24-Oct-22</a:t>
+              <a:t>14-Nov-22</a:t>
             </a:fld>
             <a:endParaRPr lang="en-US"/>
           </a:p>
@@ -1963,7 +1965,7 @@
           <a:p>
             <a:fld id="{5607B9D9-C207-4155-B438-75467CF731EF}" type="datetimeFigureOut">
               <a:rPr lang="en-US" smtClean="0"/>
-              <a:t>24-Oct-22</a:t>
+              <a:t>14-Nov-22</a:t>
             </a:fld>
             <a:endParaRPr lang="en-US"/>
           </a:p>
@@ -2076,7 +2078,7 @@
           <a:p>
             <a:fld id="{5607B9D9-C207-4155-B438-75467CF731EF}" type="datetimeFigureOut">
               <a:rPr lang="en-US" smtClean="0"/>
-              <a:t>24-Oct-22</a:t>
+              <a:t>14-Nov-22</a:t>
             </a:fld>
             <a:endParaRPr lang="en-US"/>
           </a:p>
@@ -2387,7 +2389,7 @@
           <a:p>
             <a:fld id="{5607B9D9-C207-4155-B438-75467CF731EF}" type="datetimeFigureOut">
               <a:rPr lang="en-US" smtClean="0"/>
-              <a:t>24-Oct-22</a:t>
+              <a:t>14-Nov-22</a:t>
             </a:fld>
             <a:endParaRPr lang="en-US"/>
           </a:p>
@@ -2675,7 +2677,7 @@
           <a:p>
             <a:fld id="{5607B9D9-C207-4155-B438-75467CF731EF}" type="datetimeFigureOut">
               <a:rPr lang="en-US" smtClean="0"/>
-              <a:t>24-Oct-22</a:t>
+              <a:t>14-Nov-22</a:t>
             </a:fld>
             <a:endParaRPr lang="en-US"/>
           </a:p>
@@ -2916,7 +2918,7 @@
           <a:p>
             <a:fld id="{5607B9D9-C207-4155-B438-75467CF731EF}" type="datetimeFigureOut">
               <a:rPr lang="en-US" smtClean="0"/>
-              <a:t>24-Oct-22</a:t>
+              <a:t>14-Nov-22</a:t>
             </a:fld>
             <a:endParaRPr lang="en-US"/>
           </a:p>
@@ -3701,6 +3703,1072 @@
 </p:sld>
 </file>
 
+<file path=ppt/slides/slide10.xml><?xml version="1.0" encoding="utf-8"?>
+<p:sld xmlns:a="http://schemas.openxmlformats.org/drawingml/2006/main" xmlns:r="http://schemas.openxmlformats.org/officeDocument/2006/relationships" xmlns:p="http://schemas.openxmlformats.org/presentationml/2006/main" show="0">
+  <p:cSld>
+    <p:spTree>
+      <p:nvGrpSpPr>
+        <p:cNvPr id="1" name=""/>
+        <p:cNvGrpSpPr/>
+        <p:nvPr/>
+      </p:nvGrpSpPr>
+      <p:grpSpPr>
+        <a:xfrm>
+          <a:off x="0" y="0"/>
+          <a:ext cx="0" cy="0"/>
+          <a:chOff x="0" y="0"/>
+          <a:chExt cx="0" cy="0"/>
+        </a:xfrm>
+      </p:grpSpPr>
+      <p:pic>
+        <p:nvPicPr>
+          <p:cNvPr id="6" name="Picture 5">
+            <a:extLst>
+              <a:ext uri="{FF2B5EF4-FFF2-40B4-BE49-F238E27FC236}">
+                <a16:creationId xmlns:a16="http://schemas.microsoft.com/office/drawing/2014/main" id="{7184AE7C-A42E-5889-8A77-E8B7C397A24E}"/>
+              </a:ext>
+            </a:extLst>
+          </p:cNvPr>
+          <p:cNvPicPr>
+            <a:picLocks noChangeAspect="1"/>
+          </p:cNvPicPr>
+          <p:nvPr/>
+        </p:nvPicPr>
+        <p:blipFill>
+          <a:blip r:embed="rId2"/>
+          <a:stretch>
+            <a:fillRect/>
+          </a:stretch>
+        </p:blipFill>
+        <p:spPr>
+          <a:xfrm>
+            <a:off x="13918" y="10613"/>
+            <a:ext cx="5491698" cy="3015220"/>
+          </a:xfrm>
+          <a:prstGeom prst="rect">
+            <a:avLst/>
+          </a:prstGeom>
+        </p:spPr>
+      </p:pic>
+      <p:sp>
+        <p:nvSpPr>
+          <p:cNvPr id="8" name="Rectangle 7">
+            <a:extLst>
+              <a:ext uri="{FF2B5EF4-FFF2-40B4-BE49-F238E27FC236}">
+                <a16:creationId xmlns:a16="http://schemas.microsoft.com/office/drawing/2014/main" id="{AAFF096E-5E03-6850-1FA2-82E34FF8C2DC}"/>
+              </a:ext>
+            </a:extLst>
+          </p:cNvPr>
+          <p:cNvSpPr/>
+          <p:nvPr/>
+        </p:nvSpPr>
+        <p:spPr>
+          <a:xfrm>
+            <a:off x="1307230" y="1117479"/>
+            <a:ext cx="2398869" cy="219751"/>
+          </a:xfrm>
+          <a:prstGeom prst="rect">
+            <a:avLst/>
+          </a:prstGeom>
+          <a:noFill/>
+          <a:ln w="25400">
+            <a:solidFill>
+              <a:srgbClr val="FF0000"/>
+            </a:solidFill>
+          </a:ln>
+        </p:spPr>
+        <p:style>
+          <a:lnRef idx="2">
+            <a:schemeClr val="accent1">
+              <a:shade val="50000"/>
+            </a:schemeClr>
+          </a:lnRef>
+          <a:fillRef idx="1">
+            <a:schemeClr val="accent1"/>
+          </a:fillRef>
+          <a:effectRef idx="0">
+            <a:schemeClr val="accent1"/>
+          </a:effectRef>
+          <a:fontRef idx="minor">
+            <a:schemeClr val="lt1"/>
+          </a:fontRef>
+        </p:style>
+        <p:txBody>
+          <a:bodyPr rtlCol="0" anchor="t" anchorCtr="0"/>
+          <a:lstStyle/>
+          <a:p>
+            <a:pPr algn="r" rtl="1"/>
+            <a:r>
+              <a:rPr lang="en-US" sz="1100" dirty="0">
+                <a:solidFill>
+                  <a:srgbClr val="FF0000"/>
+                </a:solidFill>
+              </a:rPr>
+              <a:t>2</a:t>
+            </a:r>
+          </a:p>
+        </p:txBody>
+      </p:sp>
+      <p:sp>
+        <p:nvSpPr>
+          <p:cNvPr id="10" name="Rectangle 9">
+            <a:extLst>
+              <a:ext uri="{FF2B5EF4-FFF2-40B4-BE49-F238E27FC236}">
+                <a16:creationId xmlns:a16="http://schemas.microsoft.com/office/drawing/2014/main" id="{1CF37A64-4612-8963-1978-FAC354888FA7}"/>
+              </a:ext>
+            </a:extLst>
+          </p:cNvPr>
+          <p:cNvSpPr/>
+          <p:nvPr/>
+        </p:nvSpPr>
+        <p:spPr>
+          <a:xfrm>
+            <a:off x="1475945" y="1479107"/>
+            <a:ext cx="2186417" cy="219751"/>
+          </a:xfrm>
+          <a:prstGeom prst="rect">
+            <a:avLst/>
+          </a:prstGeom>
+          <a:noFill/>
+          <a:ln w="25400">
+            <a:solidFill>
+              <a:srgbClr val="FF0000"/>
+            </a:solidFill>
+          </a:ln>
+        </p:spPr>
+        <p:style>
+          <a:lnRef idx="2">
+            <a:schemeClr val="accent1">
+              <a:shade val="50000"/>
+            </a:schemeClr>
+          </a:lnRef>
+          <a:fillRef idx="1">
+            <a:schemeClr val="accent1"/>
+          </a:fillRef>
+          <a:effectRef idx="0">
+            <a:schemeClr val="accent1"/>
+          </a:effectRef>
+          <a:fontRef idx="minor">
+            <a:schemeClr val="lt1"/>
+          </a:fontRef>
+        </p:style>
+        <p:txBody>
+          <a:bodyPr rtlCol="0" anchor="t" anchorCtr="0"/>
+          <a:lstStyle/>
+          <a:p>
+            <a:pPr algn="r" rtl="1"/>
+            <a:r>
+              <a:rPr lang="en-US" sz="1100" dirty="0">
+                <a:solidFill>
+                  <a:srgbClr val="FF0000"/>
+                </a:solidFill>
+              </a:rPr>
+              <a:t>3</a:t>
+            </a:r>
+          </a:p>
+        </p:txBody>
+      </p:sp>
+      <p:sp>
+        <p:nvSpPr>
+          <p:cNvPr id="11" name="Rectangle 10">
+            <a:extLst>
+              <a:ext uri="{FF2B5EF4-FFF2-40B4-BE49-F238E27FC236}">
+                <a16:creationId xmlns:a16="http://schemas.microsoft.com/office/drawing/2014/main" id="{32A5DA53-22E4-47C1-3B2D-A46CA6AA9366}"/>
+              </a:ext>
+            </a:extLst>
+          </p:cNvPr>
+          <p:cNvSpPr/>
+          <p:nvPr/>
+        </p:nvSpPr>
+        <p:spPr>
+          <a:xfrm>
+            <a:off x="2190750" y="1923732"/>
+            <a:ext cx="569017" cy="219751"/>
+          </a:xfrm>
+          <a:prstGeom prst="rect">
+            <a:avLst/>
+          </a:prstGeom>
+          <a:noFill/>
+          <a:ln w="25400">
+            <a:solidFill>
+              <a:srgbClr val="FF0000"/>
+            </a:solidFill>
+          </a:ln>
+        </p:spPr>
+        <p:style>
+          <a:lnRef idx="2">
+            <a:schemeClr val="accent1">
+              <a:shade val="50000"/>
+            </a:schemeClr>
+          </a:lnRef>
+          <a:fillRef idx="1">
+            <a:schemeClr val="accent1"/>
+          </a:fillRef>
+          <a:effectRef idx="0">
+            <a:schemeClr val="accent1"/>
+          </a:effectRef>
+          <a:fontRef idx="minor">
+            <a:schemeClr val="lt1"/>
+          </a:fontRef>
+        </p:style>
+        <p:txBody>
+          <a:bodyPr rtlCol="0" anchor="t" anchorCtr="0"/>
+          <a:lstStyle/>
+          <a:p>
+            <a:pPr algn="r" rtl="1"/>
+            <a:r>
+              <a:rPr lang="en-US" sz="1100" dirty="0">
+                <a:solidFill>
+                  <a:srgbClr val="FF0000"/>
+                </a:solidFill>
+              </a:rPr>
+              <a:t>4</a:t>
+            </a:r>
+          </a:p>
+        </p:txBody>
+      </p:sp>
+      <p:sp>
+        <p:nvSpPr>
+          <p:cNvPr id="13" name="Rectangle 12">
+            <a:extLst>
+              <a:ext uri="{FF2B5EF4-FFF2-40B4-BE49-F238E27FC236}">
+                <a16:creationId xmlns:a16="http://schemas.microsoft.com/office/drawing/2014/main" id="{1BFFF0DE-5542-39D3-27BA-342A360BDC38}"/>
+              </a:ext>
+            </a:extLst>
+          </p:cNvPr>
+          <p:cNvSpPr/>
+          <p:nvPr/>
+        </p:nvSpPr>
+        <p:spPr>
+          <a:xfrm>
+            <a:off x="148617" y="1785779"/>
+            <a:ext cx="727782" cy="219751"/>
+          </a:xfrm>
+          <a:prstGeom prst="rect">
+            <a:avLst/>
+          </a:prstGeom>
+          <a:noFill/>
+          <a:ln w="25400">
+            <a:solidFill>
+              <a:srgbClr val="FF0000"/>
+            </a:solidFill>
+          </a:ln>
+        </p:spPr>
+        <p:style>
+          <a:lnRef idx="2">
+            <a:schemeClr val="accent1">
+              <a:shade val="50000"/>
+            </a:schemeClr>
+          </a:lnRef>
+          <a:fillRef idx="1">
+            <a:schemeClr val="accent1"/>
+          </a:fillRef>
+          <a:effectRef idx="0">
+            <a:schemeClr val="accent1"/>
+          </a:effectRef>
+          <a:fontRef idx="minor">
+            <a:schemeClr val="lt1"/>
+          </a:fontRef>
+        </p:style>
+        <p:txBody>
+          <a:bodyPr rtlCol="0" anchor="t" anchorCtr="0"/>
+          <a:lstStyle/>
+          <a:p>
+            <a:pPr algn="r" rtl="1"/>
+            <a:r>
+              <a:rPr lang="en-US" sz="1100" dirty="0">
+                <a:solidFill>
+                  <a:srgbClr val="FF0000"/>
+                </a:solidFill>
+              </a:rPr>
+              <a:t>1</a:t>
+            </a:r>
+          </a:p>
+        </p:txBody>
+      </p:sp>
+      <p:pic>
+        <p:nvPicPr>
+          <p:cNvPr id="3" name="Picture 2">
+            <a:extLst>
+              <a:ext uri="{FF2B5EF4-FFF2-40B4-BE49-F238E27FC236}">
+                <a16:creationId xmlns:a16="http://schemas.microsoft.com/office/drawing/2014/main" id="{596DB253-D9E1-F29C-1722-A7AD04A2C580}"/>
+              </a:ext>
+            </a:extLst>
+          </p:cNvPr>
+          <p:cNvPicPr>
+            <a:picLocks noChangeAspect="1"/>
+          </p:cNvPicPr>
+          <p:nvPr/>
+        </p:nvPicPr>
+        <p:blipFill>
+          <a:blip r:embed="rId3"/>
+          <a:stretch>
+            <a:fillRect/>
+          </a:stretch>
+        </p:blipFill>
+        <p:spPr>
+          <a:xfrm>
+            <a:off x="76200" y="2545281"/>
+            <a:ext cx="4500185" cy="2470829"/>
+          </a:xfrm>
+          <a:prstGeom prst="rect">
+            <a:avLst/>
+          </a:prstGeom>
+        </p:spPr>
+      </p:pic>
+      <p:sp>
+        <p:nvSpPr>
+          <p:cNvPr id="12" name="Rectangle 11">
+            <a:extLst>
+              <a:ext uri="{FF2B5EF4-FFF2-40B4-BE49-F238E27FC236}">
+                <a16:creationId xmlns:a16="http://schemas.microsoft.com/office/drawing/2014/main" id="{183665A0-B1F3-C3B7-C4B7-34D6561DC4A9}"/>
+              </a:ext>
+            </a:extLst>
+          </p:cNvPr>
+          <p:cNvSpPr/>
+          <p:nvPr/>
+        </p:nvSpPr>
+        <p:spPr>
+          <a:xfrm>
+            <a:off x="1536437" y="3427631"/>
+            <a:ext cx="654313" cy="219751"/>
+          </a:xfrm>
+          <a:prstGeom prst="rect">
+            <a:avLst/>
+          </a:prstGeom>
+          <a:noFill/>
+          <a:ln w="25400">
+            <a:solidFill>
+              <a:srgbClr val="FF0000"/>
+            </a:solidFill>
+          </a:ln>
+        </p:spPr>
+        <p:style>
+          <a:lnRef idx="2">
+            <a:schemeClr val="accent1">
+              <a:shade val="50000"/>
+            </a:schemeClr>
+          </a:lnRef>
+          <a:fillRef idx="1">
+            <a:schemeClr val="accent1"/>
+          </a:fillRef>
+          <a:effectRef idx="0">
+            <a:schemeClr val="accent1"/>
+          </a:effectRef>
+          <a:fontRef idx="minor">
+            <a:schemeClr val="lt1"/>
+          </a:fontRef>
+        </p:style>
+        <p:txBody>
+          <a:bodyPr rtlCol="0" anchor="t" anchorCtr="0"/>
+          <a:lstStyle/>
+          <a:p>
+            <a:pPr algn="r" rtl="1"/>
+            <a:r>
+              <a:rPr lang="en-US" sz="1100" dirty="0">
+                <a:solidFill>
+                  <a:srgbClr val="FF0000"/>
+                </a:solidFill>
+              </a:rPr>
+              <a:t>5</a:t>
+            </a:r>
+          </a:p>
+        </p:txBody>
+      </p:sp>
+      <p:pic>
+        <p:nvPicPr>
+          <p:cNvPr id="9" name="Picture 8">
+            <a:extLst>
+              <a:ext uri="{FF2B5EF4-FFF2-40B4-BE49-F238E27FC236}">
+                <a16:creationId xmlns:a16="http://schemas.microsoft.com/office/drawing/2014/main" id="{AA135357-F202-6130-8C37-EBF87324378C}"/>
+              </a:ext>
+            </a:extLst>
+          </p:cNvPr>
+          <p:cNvPicPr>
+            <a:picLocks noChangeAspect="1"/>
+          </p:cNvPicPr>
+          <p:nvPr/>
+        </p:nvPicPr>
+        <p:blipFill>
+          <a:blip r:embed="rId4"/>
+          <a:stretch>
+            <a:fillRect/>
+          </a:stretch>
+        </p:blipFill>
+        <p:spPr>
+          <a:xfrm>
+            <a:off x="14214" y="4550137"/>
+            <a:ext cx="3698757" cy="2030805"/>
+          </a:xfrm>
+          <a:prstGeom prst="rect">
+            <a:avLst/>
+          </a:prstGeom>
+        </p:spPr>
+      </p:pic>
+      <p:sp>
+        <p:nvSpPr>
+          <p:cNvPr id="16" name="Rectangle 15">
+            <a:extLst>
+              <a:ext uri="{FF2B5EF4-FFF2-40B4-BE49-F238E27FC236}">
+                <a16:creationId xmlns:a16="http://schemas.microsoft.com/office/drawing/2014/main" id="{FB059992-ACAD-3C89-C45A-C9ABDE3FA795}"/>
+              </a:ext>
+            </a:extLst>
+          </p:cNvPr>
+          <p:cNvSpPr/>
+          <p:nvPr/>
+        </p:nvSpPr>
+        <p:spPr>
+          <a:xfrm>
+            <a:off x="1863593" y="5209026"/>
+            <a:ext cx="896174" cy="219751"/>
+          </a:xfrm>
+          <a:prstGeom prst="rect">
+            <a:avLst/>
+          </a:prstGeom>
+          <a:noFill/>
+          <a:ln w="25400">
+            <a:solidFill>
+              <a:srgbClr val="FF0000"/>
+            </a:solidFill>
+          </a:ln>
+        </p:spPr>
+        <p:style>
+          <a:lnRef idx="2">
+            <a:schemeClr val="accent1">
+              <a:shade val="50000"/>
+            </a:schemeClr>
+          </a:lnRef>
+          <a:fillRef idx="1">
+            <a:schemeClr val="accent1"/>
+          </a:fillRef>
+          <a:effectRef idx="0">
+            <a:schemeClr val="accent1"/>
+          </a:effectRef>
+          <a:fontRef idx="minor">
+            <a:schemeClr val="lt1"/>
+          </a:fontRef>
+        </p:style>
+        <p:txBody>
+          <a:bodyPr rtlCol="0" anchor="t" anchorCtr="0"/>
+          <a:lstStyle/>
+          <a:p>
+            <a:pPr algn="r" rtl="1"/>
+            <a:r>
+              <a:rPr lang="en-US" sz="1100" dirty="0">
+                <a:solidFill>
+                  <a:srgbClr val="FF0000"/>
+                </a:solidFill>
+              </a:rPr>
+              <a:t>6</a:t>
+            </a:r>
+          </a:p>
+        </p:txBody>
+      </p:sp>
+      <p:pic>
+        <p:nvPicPr>
+          <p:cNvPr id="18" name="Picture 17">
+            <a:extLst>
+              <a:ext uri="{FF2B5EF4-FFF2-40B4-BE49-F238E27FC236}">
+                <a16:creationId xmlns:a16="http://schemas.microsoft.com/office/drawing/2014/main" id="{7F3B3F62-6967-17D3-FECE-B8435742F712}"/>
+              </a:ext>
+            </a:extLst>
+          </p:cNvPr>
+          <p:cNvPicPr>
+            <a:picLocks noChangeAspect="1"/>
+          </p:cNvPicPr>
+          <p:nvPr/>
+        </p:nvPicPr>
+        <p:blipFill>
+          <a:blip r:embed="rId5"/>
+          <a:stretch>
+            <a:fillRect/>
+          </a:stretch>
+        </p:blipFill>
+        <p:spPr>
+          <a:xfrm>
+            <a:off x="3847670" y="-10613"/>
+            <a:ext cx="5447211" cy="6858000"/>
+          </a:xfrm>
+          <a:prstGeom prst="rect">
+            <a:avLst/>
+          </a:prstGeom>
+        </p:spPr>
+      </p:pic>
+      <p:pic>
+        <p:nvPicPr>
+          <p:cNvPr id="20" name="Picture 19">
+            <a:extLst>
+              <a:ext uri="{FF2B5EF4-FFF2-40B4-BE49-F238E27FC236}">
+                <a16:creationId xmlns:a16="http://schemas.microsoft.com/office/drawing/2014/main" id="{FC97D8DE-33C6-8ACD-7D41-630F35699FA8}"/>
+              </a:ext>
+            </a:extLst>
+          </p:cNvPr>
+          <p:cNvPicPr>
+            <a:picLocks noChangeAspect="1"/>
+          </p:cNvPicPr>
+          <p:nvPr/>
+        </p:nvPicPr>
+        <p:blipFill>
+          <a:blip r:embed="rId6"/>
+          <a:stretch>
+            <a:fillRect/>
+          </a:stretch>
+        </p:blipFill>
+        <p:spPr>
+          <a:xfrm>
+            <a:off x="7717237" y="255984"/>
+            <a:ext cx="4398563" cy="1928570"/>
+          </a:xfrm>
+          <a:prstGeom prst="rect">
+            <a:avLst/>
+          </a:prstGeom>
+        </p:spPr>
+      </p:pic>
+      <p:pic>
+        <p:nvPicPr>
+          <p:cNvPr id="22" name="Picture 21">
+            <a:extLst>
+              <a:ext uri="{FF2B5EF4-FFF2-40B4-BE49-F238E27FC236}">
+                <a16:creationId xmlns:a16="http://schemas.microsoft.com/office/drawing/2014/main" id="{50C4A814-AA1E-E9D6-F4DF-C6969BB46370}"/>
+              </a:ext>
+            </a:extLst>
+          </p:cNvPr>
+          <p:cNvPicPr>
+            <a:picLocks noChangeAspect="1"/>
+          </p:cNvPicPr>
+          <p:nvPr/>
+        </p:nvPicPr>
+        <p:blipFill>
+          <a:blip r:embed="rId7"/>
+          <a:stretch>
+            <a:fillRect/>
+          </a:stretch>
+        </p:blipFill>
+        <p:spPr>
+          <a:xfrm>
+            <a:off x="7717237" y="2255209"/>
+            <a:ext cx="4398563" cy="1928570"/>
+          </a:xfrm>
+          <a:prstGeom prst="rect">
+            <a:avLst/>
+          </a:prstGeom>
+        </p:spPr>
+      </p:pic>
+      <p:pic>
+        <p:nvPicPr>
+          <p:cNvPr id="24" name="Picture 23">
+            <a:extLst>
+              <a:ext uri="{FF2B5EF4-FFF2-40B4-BE49-F238E27FC236}">
+                <a16:creationId xmlns:a16="http://schemas.microsoft.com/office/drawing/2014/main" id="{6DE8C19E-6E49-4FBA-CD06-8193E6D7B677}"/>
+              </a:ext>
+            </a:extLst>
+          </p:cNvPr>
+          <p:cNvPicPr>
+            <a:picLocks noChangeAspect="1"/>
+          </p:cNvPicPr>
+          <p:nvPr/>
+        </p:nvPicPr>
+        <p:blipFill>
+          <a:blip r:embed="rId8"/>
+          <a:stretch>
+            <a:fillRect/>
+          </a:stretch>
+        </p:blipFill>
+        <p:spPr>
+          <a:xfrm>
+            <a:off x="7717236" y="4347921"/>
+            <a:ext cx="4398563" cy="1928570"/>
+          </a:xfrm>
+          <a:prstGeom prst="rect">
+            <a:avLst/>
+          </a:prstGeom>
+        </p:spPr>
+      </p:pic>
+      <p:sp>
+        <p:nvSpPr>
+          <p:cNvPr id="25" name="Rectangle 24">
+            <a:extLst>
+              <a:ext uri="{FF2B5EF4-FFF2-40B4-BE49-F238E27FC236}">
+                <a16:creationId xmlns:a16="http://schemas.microsoft.com/office/drawing/2014/main" id="{BB2C46A0-705B-79F7-ACCC-C221BD941D0A}"/>
+              </a:ext>
+            </a:extLst>
+          </p:cNvPr>
+          <p:cNvSpPr/>
+          <p:nvPr/>
+        </p:nvSpPr>
+        <p:spPr>
+          <a:xfrm>
+            <a:off x="5159386" y="1001136"/>
+            <a:ext cx="1904143" cy="215900"/>
+          </a:xfrm>
+          <a:prstGeom prst="rect">
+            <a:avLst/>
+          </a:prstGeom>
+          <a:noFill/>
+          <a:ln w="25400">
+            <a:solidFill>
+              <a:srgbClr val="FF0000"/>
+            </a:solidFill>
+          </a:ln>
+        </p:spPr>
+        <p:style>
+          <a:lnRef idx="2">
+            <a:schemeClr val="accent1">
+              <a:shade val="50000"/>
+            </a:schemeClr>
+          </a:lnRef>
+          <a:fillRef idx="1">
+            <a:schemeClr val="accent1"/>
+          </a:fillRef>
+          <a:effectRef idx="0">
+            <a:schemeClr val="accent1"/>
+          </a:effectRef>
+          <a:fontRef idx="minor">
+            <a:schemeClr val="lt1"/>
+          </a:fontRef>
+        </p:style>
+        <p:txBody>
+          <a:bodyPr rtlCol="0" anchor="t" anchorCtr="0"/>
+          <a:lstStyle/>
+          <a:p>
+            <a:pPr algn="r" rtl="1"/>
+            <a:r>
+              <a:rPr lang="en-US" sz="1100" dirty="0">
+                <a:solidFill>
+                  <a:srgbClr val="FF0000"/>
+                </a:solidFill>
+              </a:rPr>
+              <a:t>7</a:t>
+            </a:r>
+          </a:p>
+        </p:txBody>
+      </p:sp>
+      <p:sp>
+        <p:nvSpPr>
+          <p:cNvPr id="26" name="Rectangle 25">
+            <a:extLst>
+              <a:ext uri="{FF2B5EF4-FFF2-40B4-BE49-F238E27FC236}">
+                <a16:creationId xmlns:a16="http://schemas.microsoft.com/office/drawing/2014/main" id="{2655A40B-B412-DA3D-6F21-D900186DE88C}"/>
+              </a:ext>
+            </a:extLst>
+          </p:cNvPr>
+          <p:cNvSpPr/>
+          <p:nvPr/>
+        </p:nvSpPr>
+        <p:spPr>
+          <a:xfrm>
+            <a:off x="5118025" y="1817707"/>
+            <a:ext cx="1873226" cy="215900"/>
+          </a:xfrm>
+          <a:prstGeom prst="rect">
+            <a:avLst/>
+          </a:prstGeom>
+          <a:noFill/>
+          <a:ln w="25400">
+            <a:solidFill>
+              <a:srgbClr val="FF0000"/>
+            </a:solidFill>
+          </a:ln>
+        </p:spPr>
+        <p:style>
+          <a:lnRef idx="2">
+            <a:schemeClr val="accent1">
+              <a:shade val="50000"/>
+            </a:schemeClr>
+          </a:lnRef>
+          <a:fillRef idx="1">
+            <a:schemeClr val="accent1"/>
+          </a:fillRef>
+          <a:effectRef idx="0">
+            <a:schemeClr val="accent1"/>
+          </a:effectRef>
+          <a:fontRef idx="minor">
+            <a:schemeClr val="lt1"/>
+          </a:fontRef>
+        </p:style>
+        <p:txBody>
+          <a:bodyPr rtlCol="0" anchor="t" anchorCtr="0"/>
+          <a:lstStyle/>
+          <a:p>
+            <a:pPr algn="r" rtl="1"/>
+            <a:r>
+              <a:rPr lang="en-US" sz="1100" dirty="0">
+                <a:solidFill>
+                  <a:srgbClr val="FF0000"/>
+                </a:solidFill>
+              </a:rPr>
+              <a:t>8</a:t>
+            </a:r>
+          </a:p>
+        </p:txBody>
+      </p:sp>
+      <p:sp>
+        <p:nvSpPr>
+          <p:cNvPr id="27" name="Rectangle 26">
+            <a:extLst>
+              <a:ext uri="{FF2B5EF4-FFF2-40B4-BE49-F238E27FC236}">
+                <a16:creationId xmlns:a16="http://schemas.microsoft.com/office/drawing/2014/main" id="{0E1CA0CC-E39C-303C-027A-1BD84C2F1C20}"/>
+              </a:ext>
+            </a:extLst>
+          </p:cNvPr>
+          <p:cNvSpPr/>
+          <p:nvPr/>
+        </p:nvSpPr>
+        <p:spPr>
+          <a:xfrm>
+            <a:off x="5322381" y="3459591"/>
+            <a:ext cx="1873226" cy="215900"/>
+          </a:xfrm>
+          <a:prstGeom prst="rect">
+            <a:avLst/>
+          </a:prstGeom>
+          <a:noFill/>
+          <a:ln w="25400">
+            <a:solidFill>
+              <a:srgbClr val="FF0000"/>
+            </a:solidFill>
+          </a:ln>
+        </p:spPr>
+        <p:style>
+          <a:lnRef idx="2">
+            <a:schemeClr val="accent1">
+              <a:shade val="50000"/>
+            </a:schemeClr>
+          </a:lnRef>
+          <a:fillRef idx="1">
+            <a:schemeClr val="accent1"/>
+          </a:fillRef>
+          <a:effectRef idx="0">
+            <a:schemeClr val="accent1"/>
+          </a:effectRef>
+          <a:fontRef idx="minor">
+            <a:schemeClr val="lt1"/>
+          </a:fontRef>
+        </p:style>
+        <p:txBody>
+          <a:bodyPr rtlCol="0" anchor="t" anchorCtr="0"/>
+          <a:lstStyle/>
+          <a:p>
+            <a:pPr algn="r" rtl="1"/>
+            <a:r>
+              <a:rPr lang="en-US" sz="1100" dirty="0">
+                <a:solidFill>
+                  <a:srgbClr val="FF0000"/>
+                </a:solidFill>
+              </a:rPr>
+              <a:t>9</a:t>
+            </a:r>
+          </a:p>
+        </p:txBody>
+      </p:sp>
+      <p:sp>
+        <p:nvSpPr>
+          <p:cNvPr id="28" name="Rectangle 27">
+            <a:extLst>
+              <a:ext uri="{FF2B5EF4-FFF2-40B4-BE49-F238E27FC236}">
+                <a16:creationId xmlns:a16="http://schemas.microsoft.com/office/drawing/2014/main" id="{57F169AE-54CC-7096-BA68-2F3869FDAD6F}"/>
+              </a:ext>
+            </a:extLst>
+          </p:cNvPr>
+          <p:cNvSpPr/>
+          <p:nvPr/>
+        </p:nvSpPr>
+        <p:spPr>
+          <a:xfrm>
+            <a:off x="5294988" y="4503831"/>
+            <a:ext cx="1873226" cy="215900"/>
+          </a:xfrm>
+          <a:prstGeom prst="rect">
+            <a:avLst/>
+          </a:prstGeom>
+          <a:noFill/>
+          <a:ln w="25400">
+            <a:solidFill>
+              <a:srgbClr val="FF0000"/>
+            </a:solidFill>
+          </a:ln>
+        </p:spPr>
+        <p:style>
+          <a:lnRef idx="2">
+            <a:schemeClr val="accent1">
+              <a:shade val="50000"/>
+            </a:schemeClr>
+          </a:lnRef>
+          <a:fillRef idx="1">
+            <a:schemeClr val="accent1"/>
+          </a:fillRef>
+          <a:effectRef idx="0">
+            <a:schemeClr val="accent1"/>
+          </a:effectRef>
+          <a:fontRef idx="minor">
+            <a:schemeClr val="lt1"/>
+          </a:fontRef>
+        </p:style>
+        <p:txBody>
+          <a:bodyPr rtlCol="0" anchor="t" anchorCtr="0"/>
+          <a:lstStyle/>
+          <a:p>
+            <a:pPr algn="r" rtl="1"/>
+            <a:r>
+              <a:rPr lang="en-US" sz="1100" dirty="0">
+                <a:solidFill>
+                  <a:srgbClr val="FF0000"/>
+                </a:solidFill>
+              </a:rPr>
+              <a:t>10</a:t>
+            </a:r>
+          </a:p>
+        </p:txBody>
+      </p:sp>
+      <p:sp>
+        <p:nvSpPr>
+          <p:cNvPr id="29" name="Rectangle 28">
+            <a:extLst>
+              <a:ext uri="{FF2B5EF4-FFF2-40B4-BE49-F238E27FC236}">
+                <a16:creationId xmlns:a16="http://schemas.microsoft.com/office/drawing/2014/main" id="{25DAC27E-8F10-FFFE-1380-A1A361D00A50}"/>
+              </a:ext>
+            </a:extLst>
+          </p:cNvPr>
+          <p:cNvSpPr/>
+          <p:nvPr/>
+        </p:nvSpPr>
+        <p:spPr>
+          <a:xfrm>
+            <a:off x="8677582" y="6530357"/>
+            <a:ext cx="802607" cy="215900"/>
+          </a:xfrm>
+          <a:prstGeom prst="rect">
+            <a:avLst/>
+          </a:prstGeom>
+          <a:noFill/>
+          <a:ln w="25400">
+            <a:solidFill>
+              <a:srgbClr val="FF0000"/>
+            </a:solidFill>
+          </a:ln>
+        </p:spPr>
+        <p:style>
+          <a:lnRef idx="2">
+            <a:schemeClr val="accent1">
+              <a:shade val="50000"/>
+            </a:schemeClr>
+          </a:lnRef>
+          <a:fillRef idx="1">
+            <a:schemeClr val="accent1"/>
+          </a:fillRef>
+          <a:effectRef idx="0">
+            <a:schemeClr val="accent1"/>
+          </a:effectRef>
+          <a:fontRef idx="minor">
+            <a:schemeClr val="lt1"/>
+          </a:fontRef>
+        </p:style>
+        <p:txBody>
+          <a:bodyPr rtlCol="0" anchor="t" anchorCtr="0"/>
+          <a:lstStyle/>
+          <a:p>
+            <a:pPr algn="r" rtl="1"/>
+            <a:r>
+              <a:rPr lang="en-US" sz="1100" dirty="0">
+                <a:solidFill>
+                  <a:srgbClr val="FF0000"/>
+                </a:solidFill>
+              </a:rPr>
+              <a:t>11</a:t>
+            </a:r>
+          </a:p>
+        </p:txBody>
+      </p:sp>
+      <p:sp>
+        <p:nvSpPr>
+          <p:cNvPr id="32" name="Rectangle 31">
+            <a:extLst>
+              <a:ext uri="{FF2B5EF4-FFF2-40B4-BE49-F238E27FC236}">
+                <a16:creationId xmlns:a16="http://schemas.microsoft.com/office/drawing/2014/main" id="{60CA3380-EF08-069B-1A2A-1B9C8C3CEA06}"/>
+              </a:ext>
+            </a:extLst>
+          </p:cNvPr>
+          <p:cNvSpPr/>
+          <p:nvPr/>
+        </p:nvSpPr>
+        <p:spPr>
+          <a:xfrm>
+            <a:off x="11550163" y="1888351"/>
+            <a:ext cx="641837" cy="215900"/>
+          </a:xfrm>
+          <a:prstGeom prst="rect">
+            <a:avLst/>
+          </a:prstGeom>
+          <a:noFill/>
+          <a:ln w="25400">
+            <a:solidFill>
+              <a:srgbClr val="FF0000"/>
+            </a:solidFill>
+          </a:ln>
+        </p:spPr>
+        <p:style>
+          <a:lnRef idx="2">
+            <a:schemeClr val="accent1">
+              <a:shade val="50000"/>
+            </a:schemeClr>
+          </a:lnRef>
+          <a:fillRef idx="1">
+            <a:schemeClr val="accent1"/>
+          </a:fillRef>
+          <a:effectRef idx="0">
+            <a:schemeClr val="accent1"/>
+          </a:effectRef>
+          <a:fontRef idx="minor">
+            <a:schemeClr val="lt1"/>
+          </a:fontRef>
+        </p:style>
+        <p:txBody>
+          <a:bodyPr rtlCol="0" anchor="t" anchorCtr="0"/>
+          <a:lstStyle/>
+          <a:p>
+            <a:pPr algn="r" rtl="1"/>
+            <a:r>
+              <a:rPr lang="en-US" sz="1100" dirty="0">
+                <a:solidFill>
+                  <a:srgbClr val="FF0000"/>
+                </a:solidFill>
+              </a:rPr>
+              <a:t>12</a:t>
+            </a:r>
+          </a:p>
+        </p:txBody>
+      </p:sp>
+      <p:sp>
+        <p:nvSpPr>
+          <p:cNvPr id="33" name="Rectangle 32">
+            <a:extLst>
+              <a:ext uri="{FF2B5EF4-FFF2-40B4-BE49-F238E27FC236}">
+                <a16:creationId xmlns:a16="http://schemas.microsoft.com/office/drawing/2014/main" id="{27F8F06A-E219-6CDE-4A2A-097BD949C87B}"/>
+              </a:ext>
+            </a:extLst>
+          </p:cNvPr>
+          <p:cNvSpPr/>
+          <p:nvPr/>
+        </p:nvSpPr>
+        <p:spPr>
+          <a:xfrm>
+            <a:off x="11531548" y="3934697"/>
+            <a:ext cx="641837" cy="215900"/>
+          </a:xfrm>
+          <a:prstGeom prst="rect">
+            <a:avLst/>
+          </a:prstGeom>
+          <a:noFill/>
+          <a:ln w="25400">
+            <a:solidFill>
+              <a:srgbClr val="FF0000"/>
+            </a:solidFill>
+          </a:ln>
+        </p:spPr>
+        <p:style>
+          <a:lnRef idx="2">
+            <a:schemeClr val="accent1">
+              <a:shade val="50000"/>
+            </a:schemeClr>
+          </a:lnRef>
+          <a:fillRef idx="1">
+            <a:schemeClr val="accent1"/>
+          </a:fillRef>
+          <a:effectRef idx="0">
+            <a:schemeClr val="accent1"/>
+          </a:effectRef>
+          <a:fontRef idx="minor">
+            <a:schemeClr val="lt1"/>
+          </a:fontRef>
+        </p:style>
+        <p:txBody>
+          <a:bodyPr rtlCol="0" anchor="t" anchorCtr="0"/>
+          <a:lstStyle/>
+          <a:p>
+            <a:pPr algn="r" rtl="1"/>
+            <a:r>
+              <a:rPr lang="en-US" sz="1100" dirty="0">
+                <a:solidFill>
+                  <a:srgbClr val="FF0000"/>
+                </a:solidFill>
+              </a:rPr>
+              <a:t>13</a:t>
+            </a:r>
+          </a:p>
+        </p:txBody>
+      </p:sp>
+      <p:sp>
+        <p:nvSpPr>
+          <p:cNvPr id="34" name="Rectangle 33">
+            <a:extLst>
+              <a:ext uri="{FF2B5EF4-FFF2-40B4-BE49-F238E27FC236}">
+                <a16:creationId xmlns:a16="http://schemas.microsoft.com/office/drawing/2014/main" id="{1D0664E5-83E8-5FF9-3EA4-1B26CC82F6FA}"/>
+              </a:ext>
+            </a:extLst>
+          </p:cNvPr>
+          <p:cNvSpPr/>
+          <p:nvPr/>
+        </p:nvSpPr>
+        <p:spPr>
+          <a:xfrm>
+            <a:off x="11473962" y="6036510"/>
+            <a:ext cx="641837" cy="215900"/>
+          </a:xfrm>
+          <a:prstGeom prst="rect">
+            <a:avLst/>
+          </a:prstGeom>
+          <a:noFill/>
+          <a:ln w="25400">
+            <a:solidFill>
+              <a:srgbClr val="FF0000"/>
+            </a:solidFill>
+          </a:ln>
+        </p:spPr>
+        <p:style>
+          <a:lnRef idx="2">
+            <a:schemeClr val="accent1">
+              <a:shade val="50000"/>
+            </a:schemeClr>
+          </a:lnRef>
+          <a:fillRef idx="1">
+            <a:schemeClr val="accent1"/>
+          </a:fillRef>
+          <a:effectRef idx="0">
+            <a:schemeClr val="accent1"/>
+          </a:effectRef>
+          <a:fontRef idx="minor">
+            <a:schemeClr val="lt1"/>
+          </a:fontRef>
+        </p:style>
+        <p:txBody>
+          <a:bodyPr rtlCol="0" anchor="t" anchorCtr="0"/>
+          <a:lstStyle/>
+          <a:p>
+            <a:pPr algn="r" rtl="1"/>
+            <a:r>
+              <a:rPr lang="en-US" sz="1100" dirty="0">
+                <a:solidFill>
+                  <a:srgbClr val="FF0000"/>
+                </a:solidFill>
+              </a:rPr>
+              <a:t>14</a:t>
+            </a:r>
+          </a:p>
+        </p:txBody>
+      </p:sp>
+    </p:spTree>
+    <p:extLst>
+      <p:ext uri="{BB962C8B-B14F-4D97-AF65-F5344CB8AC3E}">
+        <p14:creationId xmlns:p14="http://schemas.microsoft.com/office/powerpoint/2010/main" val="157555887"/>
+      </p:ext>
+    </p:extLst>
+  </p:cSld>
+  <p:clrMapOvr>
+    <a:masterClrMapping/>
+  </p:clrMapOvr>
+</p:sld>
+</file>
+
 <file path=ppt/slides/slide2.xml><?xml version="1.0" encoding="utf-8"?>
 <p:sld xmlns:a="http://schemas.openxmlformats.org/drawingml/2006/main" xmlns:r="http://schemas.openxmlformats.org/officeDocument/2006/relationships" xmlns:p="http://schemas.openxmlformats.org/presentationml/2006/main">
   <p:cSld>
@@ -7343,6 +8411,391 @@
     <p:extLst>
       <p:ext uri="{BB962C8B-B14F-4D97-AF65-F5344CB8AC3E}">
         <p14:creationId xmlns:p14="http://schemas.microsoft.com/office/powerpoint/2010/main" val="1287469895"/>
+      </p:ext>
+    </p:extLst>
+  </p:cSld>
+  <p:clrMapOvr>
+    <a:masterClrMapping/>
+  </p:clrMapOvr>
+</p:sld>
+</file>
+
+<file path=ppt/slides/slide9.xml><?xml version="1.0" encoding="utf-8"?>
+<p:sld xmlns:a="http://schemas.openxmlformats.org/drawingml/2006/main" xmlns:r="http://schemas.openxmlformats.org/officeDocument/2006/relationships" xmlns:p="http://schemas.openxmlformats.org/presentationml/2006/main" show="0">
+  <p:cSld>
+    <p:spTree>
+      <p:nvGrpSpPr>
+        <p:cNvPr id="1" name=""/>
+        <p:cNvGrpSpPr/>
+        <p:nvPr/>
+      </p:nvGrpSpPr>
+      <p:grpSpPr>
+        <a:xfrm>
+          <a:off x="0" y="0"/>
+          <a:ext cx="0" cy="0"/>
+          <a:chOff x="0" y="0"/>
+          <a:chExt cx="0" cy="0"/>
+        </a:xfrm>
+      </p:grpSpPr>
+      <p:pic>
+        <p:nvPicPr>
+          <p:cNvPr id="5" name="Picture 4">
+            <a:extLst>
+              <a:ext uri="{FF2B5EF4-FFF2-40B4-BE49-F238E27FC236}">
+                <a16:creationId xmlns:a16="http://schemas.microsoft.com/office/drawing/2014/main" id="{B6D40772-98A9-D1DD-5852-0CB40E4C48F0}"/>
+              </a:ext>
+            </a:extLst>
+          </p:cNvPr>
+          <p:cNvPicPr>
+            <a:picLocks noChangeAspect="1"/>
+          </p:cNvPicPr>
+          <p:nvPr/>
+        </p:nvPicPr>
+        <p:blipFill>
+          <a:blip r:embed="rId2"/>
+          <a:stretch>
+            <a:fillRect/>
+          </a:stretch>
+        </p:blipFill>
+        <p:spPr>
+          <a:xfrm>
+            <a:off x="185194" y="151079"/>
+            <a:ext cx="7011911" cy="3790101"/>
+          </a:xfrm>
+          <a:prstGeom prst="rect">
+            <a:avLst/>
+          </a:prstGeom>
+        </p:spPr>
+      </p:pic>
+      <p:pic>
+        <p:nvPicPr>
+          <p:cNvPr id="7" name="Picture 6">
+            <a:extLst>
+              <a:ext uri="{FF2B5EF4-FFF2-40B4-BE49-F238E27FC236}">
+                <a16:creationId xmlns:a16="http://schemas.microsoft.com/office/drawing/2014/main" id="{7A5C6942-75BA-0181-3BDA-3CF39BEB8409}"/>
+              </a:ext>
+            </a:extLst>
+          </p:cNvPr>
+          <p:cNvPicPr>
+            <a:picLocks noChangeAspect="1"/>
+          </p:cNvPicPr>
+          <p:nvPr/>
+        </p:nvPicPr>
+        <p:blipFill>
+          <a:blip r:embed="rId3"/>
+          <a:stretch>
+            <a:fillRect/>
+          </a:stretch>
+        </p:blipFill>
+        <p:spPr>
+          <a:xfrm>
+            <a:off x="6592048" y="3317745"/>
+            <a:ext cx="4084265" cy="3069452"/>
+          </a:xfrm>
+          <a:prstGeom prst="rect">
+            <a:avLst/>
+          </a:prstGeom>
+        </p:spPr>
+      </p:pic>
+      <p:sp>
+        <p:nvSpPr>
+          <p:cNvPr id="8" name="Rectangle 7">
+            <a:extLst>
+              <a:ext uri="{FF2B5EF4-FFF2-40B4-BE49-F238E27FC236}">
+                <a16:creationId xmlns:a16="http://schemas.microsoft.com/office/drawing/2014/main" id="{AAFF096E-5E03-6850-1FA2-82E34FF8C2DC}"/>
+              </a:ext>
+            </a:extLst>
+          </p:cNvPr>
+          <p:cNvSpPr/>
+          <p:nvPr/>
+        </p:nvSpPr>
+        <p:spPr>
+          <a:xfrm>
+            <a:off x="316280" y="2574249"/>
+            <a:ext cx="674319" cy="219751"/>
+          </a:xfrm>
+          <a:prstGeom prst="rect">
+            <a:avLst/>
+          </a:prstGeom>
+          <a:noFill/>
+          <a:ln w="25400">
+            <a:solidFill>
+              <a:srgbClr val="FF0000"/>
+            </a:solidFill>
+          </a:ln>
+        </p:spPr>
+        <p:style>
+          <a:lnRef idx="2">
+            <a:schemeClr val="accent1">
+              <a:shade val="50000"/>
+            </a:schemeClr>
+          </a:lnRef>
+          <a:fillRef idx="1">
+            <a:schemeClr val="accent1"/>
+          </a:fillRef>
+          <a:effectRef idx="0">
+            <a:schemeClr val="accent1"/>
+          </a:effectRef>
+          <a:fontRef idx="minor">
+            <a:schemeClr val="lt1"/>
+          </a:fontRef>
+        </p:style>
+        <p:txBody>
+          <a:bodyPr rtlCol="0" anchor="t" anchorCtr="0"/>
+          <a:lstStyle/>
+          <a:p>
+            <a:pPr algn="r" rtl="1"/>
+            <a:r>
+              <a:rPr lang="en-US" sz="1100" dirty="0">
+                <a:solidFill>
+                  <a:srgbClr val="FF0000"/>
+                </a:solidFill>
+              </a:rPr>
+              <a:t>1</a:t>
+            </a:r>
+          </a:p>
+        </p:txBody>
+      </p:sp>
+      <p:sp>
+        <p:nvSpPr>
+          <p:cNvPr id="10" name="Rectangle 9">
+            <a:extLst>
+              <a:ext uri="{FF2B5EF4-FFF2-40B4-BE49-F238E27FC236}">
+                <a16:creationId xmlns:a16="http://schemas.microsoft.com/office/drawing/2014/main" id="{1CF37A64-4612-8963-1978-FAC354888FA7}"/>
+              </a:ext>
+            </a:extLst>
+          </p:cNvPr>
+          <p:cNvSpPr/>
+          <p:nvPr/>
+        </p:nvSpPr>
+        <p:spPr>
+          <a:xfrm>
+            <a:off x="1301584" y="2576748"/>
+            <a:ext cx="901866" cy="219751"/>
+          </a:xfrm>
+          <a:prstGeom prst="rect">
+            <a:avLst/>
+          </a:prstGeom>
+          <a:noFill/>
+          <a:ln w="25400">
+            <a:solidFill>
+              <a:srgbClr val="FF0000"/>
+            </a:solidFill>
+          </a:ln>
+        </p:spPr>
+        <p:style>
+          <a:lnRef idx="2">
+            <a:schemeClr val="accent1">
+              <a:shade val="50000"/>
+            </a:schemeClr>
+          </a:lnRef>
+          <a:fillRef idx="1">
+            <a:schemeClr val="accent1"/>
+          </a:fillRef>
+          <a:effectRef idx="0">
+            <a:schemeClr val="accent1"/>
+          </a:effectRef>
+          <a:fontRef idx="minor">
+            <a:schemeClr val="lt1"/>
+          </a:fontRef>
+        </p:style>
+        <p:txBody>
+          <a:bodyPr rtlCol="0" anchor="t" anchorCtr="0"/>
+          <a:lstStyle/>
+          <a:p>
+            <a:pPr algn="r" rtl="1"/>
+            <a:r>
+              <a:rPr lang="en-US" sz="1100" dirty="0">
+                <a:solidFill>
+                  <a:srgbClr val="FF0000"/>
+                </a:solidFill>
+              </a:rPr>
+              <a:t>2</a:t>
+            </a:r>
+          </a:p>
+        </p:txBody>
+      </p:sp>
+      <p:sp>
+        <p:nvSpPr>
+          <p:cNvPr id="11" name="Rectangle 10">
+            <a:extLst>
+              <a:ext uri="{FF2B5EF4-FFF2-40B4-BE49-F238E27FC236}">
+                <a16:creationId xmlns:a16="http://schemas.microsoft.com/office/drawing/2014/main" id="{32A5DA53-22E4-47C1-3B2D-A46CA6AA9366}"/>
+              </a:ext>
+            </a:extLst>
+          </p:cNvPr>
+          <p:cNvSpPr/>
+          <p:nvPr/>
+        </p:nvSpPr>
+        <p:spPr>
+          <a:xfrm>
+            <a:off x="6686385" y="1408348"/>
+            <a:ext cx="438316" cy="219751"/>
+          </a:xfrm>
+          <a:prstGeom prst="rect">
+            <a:avLst/>
+          </a:prstGeom>
+          <a:noFill/>
+          <a:ln w="25400">
+            <a:solidFill>
+              <a:srgbClr val="FF0000"/>
+            </a:solidFill>
+          </a:ln>
+        </p:spPr>
+        <p:style>
+          <a:lnRef idx="2">
+            <a:schemeClr val="accent1">
+              <a:shade val="50000"/>
+            </a:schemeClr>
+          </a:lnRef>
+          <a:fillRef idx="1">
+            <a:schemeClr val="accent1"/>
+          </a:fillRef>
+          <a:effectRef idx="0">
+            <a:schemeClr val="accent1"/>
+          </a:effectRef>
+          <a:fontRef idx="minor">
+            <a:schemeClr val="lt1"/>
+          </a:fontRef>
+        </p:style>
+        <p:txBody>
+          <a:bodyPr rtlCol="0" anchor="t" anchorCtr="0"/>
+          <a:lstStyle/>
+          <a:p>
+            <a:pPr algn="r" rtl="1"/>
+            <a:r>
+              <a:rPr lang="en-US" sz="1100" dirty="0">
+                <a:solidFill>
+                  <a:srgbClr val="FF0000"/>
+                </a:solidFill>
+              </a:rPr>
+              <a:t>3</a:t>
+            </a:r>
+          </a:p>
+        </p:txBody>
+      </p:sp>
+      <p:sp>
+        <p:nvSpPr>
+          <p:cNvPr id="12" name="Rectangle 11">
+            <a:extLst>
+              <a:ext uri="{FF2B5EF4-FFF2-40B4-BE49-F238E27FC236}">
+                <a16:creationId xmlns:a16="http://schemas.microsoft.com/office/drawing/2014/main" id="{183665A0-B1F3-C3B7-C4B7-34D6561DC4A9}"/>
+              </a:ext>
+            </a:extLst>
+          </p:cNvPr>
+          <p:cNvSpPr/>
+          <p:nvPr/>
+        </p:nvSpPr>
+        <p:spPr>
+          <a:xfrm>
+            <a:off x="5955080" y="1785779"/>
+            <a:ext cx="1029920" cy="219751"/>
+          </a:xfrm>
+          <a:prstGeom prst="rect">
+            <a:avLst/>
+          </a:prstGeom>
+          <a:noFill/>
+          <a:ln w="25400">
+            <a:solidFill>
+              <a:srgbClr val="FF0000"/>
+            </a:solidFill>
+          </a:ln>
+        </p:spPr>
+        <p:style>
+          <a:lnRef idx="2">
+            <a:schemeClr val="accent1">
+              <a:shade val="50000"/>
+            </a:schemeClr>
+          </a:lnRef>
+          <a:fillRef idx="1">
+            <a:schemeClr val="accent1"/>
+          </a:fillRef>
+          <a:effectRef idx="0">
+            <a:schemeClr val="accent1"/>
+          </a:effectRef>
+          <a:fontRef idx="minor">
+            <a:schemeClr val="lt1"/>
+          </a:fontRef>
+        </p:style>
+        <p:txBody>
+          <a:bodyPr rtlCol="0" anchor="t" anchorCtr="0"/>
+          <a:lstStyle/>
+          <a:p>
+            <a:pPr algn="r" rtl="1"/>
+            <a:r>
+              <a:rPr lang="en-US" sz="1100" dirty="0">
+                <a:solidFill>
+                  <a:srgbClr val="FF0000"/>
+                </a:solidFill>
+              </a:rPr>
+              <a:t>4</a:t>
+            </a:r>
+          </a:p>
+        </p:txBody>
+      </p:sp>
+      <p:sp>
+        <p:nvSpPr>
+          <p:cNvPr id="13" name="Rectangle 12">
+            <a:extLst>
+              <a:ext uri="{FF2B5EF4-FFF2-40B4-BE49-F238E27FC236}">
+                <a16:creationId xmlns:a16="http://schemas.microsoft.com/office/drawing/2014/main" id="{1BFFF0DE-5542-39D3-27BA-342A360BDC38}"/>
+              </a:ext>
+            </a:extLst>
+          </p:cNvPr>
+          <p:cNvSpPr/>
+          <p:nvPr/>
+        </p:nvSpPr>
+        <p:spPr>
+          <a:xfrm>
+            <a:off x="9938569" y="3428303"/>
+            <a:ext cx="727782" cy="215900"/>
+          </a:xfrm>
+          <a:prstGeom prst="rect">
+            <a:avLst/>
+          </a:prstGeom>
+          <a:noFill/>
+          <a:ln w="25400">
+            <a:solidFill>
+              <a:srgbClr val="FF0000"/>
+            </a:solidFill>
+          </a:ln>
+        </p:spPr>
+        <p:style>
+          <a:lnRef idx="2">
+            <a:schemeClr val="accent1">
+              <a:shade val="50000"/>
+            </a:schemeClr>
+          </a:lnRef>
+          <a:fillRef idx="1">
+            <a:schemeClr val="accent1"/>
+          </a:fillRef>
+          <a:effectRef idx="0">
+            <a:schemeClr val="accent1"/>
+          </a:effectRef>
+          <a:fontRef idx="minor">
+            <a:schemeClr val="lt1"/>
+          </a:fontRef>
+        </p:style>
+        <p:txBody>
+          <a:bodyPr rtlCol="0" anchor="t" anchorCtr="0"/>
+          <a:lstStyle/>
+          <a:p>
+            <a:pPr algn="r" rtl="1"/>
+            <a:r>
+              <a:rPr lang="en-US" sz="1100" dirty="0">
+                <a:solidFill>
+                  <a:srgbClr val="FF0000"/>
+                </a:solidFill>
+              </a:rPr>
+              <a:t>5</a:t>
+            </a:r>
+          </a:p>
+        </p:txBody>
+      </p:sp>
+    </p:spTree>
+    <p:extLst>
+      <p:ext uri="{BB962C8B-B14F-4D97-AF65-F5344CB8AC3E}">
+        <p14:creationId xmlns:p14="http://schemas.microsoft.com/office/powerpoint/2010/main" val="838258392"/>
       </p:ext>
     </p:extLst>
   </p:cSld>
